--- a/doc/教学课件/C语言基础/PPT/1.HelloWorld.pptx
+++ b/doc/教学课件/C语言基础/PPT/1.HelloWorld.pptx
@@ -25,8 +25,14 @@
     <p:sldId id="273" r:id="rId19"/>
     <p:sldId id="274" r:id="rId20"/>
     <p:sldId id="275" r:id="rId21"/>
-    <p:sldId id="277" r:id="rId22"/>
-    <p:sldId id="279" r:id="rId23"/>
+    <p:sldId id="281" r:id="rId22"/>
+    <p:sldId id="280" r:id="rId23"/>
+    <p:sldId id="282" r:id="rId24"/>
+    <p:sldId id="283" r:id="rId25"/>
+    <p:sldId id="284" r:id="rId26"/>
+    <p:sldId id="285" r:id="rId27"/>
+    <p:sldId id="277" r:id="rId28"/>
+    <p:sldId id="279" r:id="rId29"/>
   </p:sldIdLst>
   <p:sldSz cx="12192000" cy="6858000"/>
   <p:notesSz cx="6858000" cy="9144000"/>
@@ -291,7 +297,7 @@
           <a:p>
             <a:fld id="{F65B811B-E3B4-42AF-946D-EBB340E40D27}" type="datetimeFigureOut">
               <a:rPr lang="zh-CN" altLang="en-US" smtClean="0"/>
-              <a:t>2018/9/6</a:t>
+              <a:t>2018/9/7</a:t>
             </a:fld>
             <a:endParaRPr lang="zh-CN" altLang="en-US"/>
           </a:p>
@@ -501,7 +507,7 @@
           <a:p>
             <a:fld id="{F65B811B-E3B4-42AF-946D-EBB340E40D27}" type="datetimeFigureOut">
               <a:rPr lang="zh-CN" altLang="en-US" smtClean="0"/>
-              <a:t>2018/9/6</a:t>
+              <a:t>2018/9/7</a:t>
             </a:fld>
             <a:endParaRPr lang="zh-CN" altLang="en-US"/>
           </a:p>
@@ -721,7 +727,7 @@
           <a:p>
             <a:fld id="{F65B811B-E3B4-42AF-946D-EBB340E40D27}" type="datetimeFigureOut">
               <a:rPr lang="zh-CN" altLang="en-US" smtClean="0"/>
-              <a:t>2018/9/6</a:t>
+              <a:t>2018/9/7</a:t>
             </a:fld>
             <a:endParaRPr lang="zh-CN" altLang="en-US"/>
           </a:p>
@@ -931,7 +937,7 @@
           <a:p>
             <a:fld id="{F65B811B-E3B4-42AF-946D-EBB340E40D27}" type="datetimeFigureOut">
               <a:rPr lang="zh-CN" altLang="en-US" smtClean="0"/>
-              <a:t>2018/9/6</a:t>
+              <a:t>2018/9/7</a:t>
             </a:fld>
             <a:endParaRPr lang="zh-CN" altLang="en-US"/>
           </a:p>
@@ -1218,7 +1224,7 @@
           <a:p>
             <a:fld id="{F65B811B-E3B4-42AF-946D-EBB340E40D27}" type="datetimeFigureOut">
               <a:rPr lang="zh-CN" altLang="en-US" smtClean="0"/>
-              <a:t>2018/9/6</a:t>
+              <a:t>2018/9/7</a:t>
             </a:fld>
             <a:endParaRPr lang="zh-CN" altLang="en-US"/>
           </a:p>
@@ -1495,7 +1501,7 @@
           <a:p>
             <a:fld id="{F65B811B-E3B4-42AF-946D-EBB340E40D27}" type="datetimeFigureOut">
               <a:rPr lang="zh-CN" altLang="en-US" smtClean="0"/>
-              <a:t>2018/9/6</a:t>
+              <a:t>2018/9/7</a:t>
             </a:fld>
             <a:endParaRPr lang="zh-CN" altLang="en-US"/>
           </a:p>
@@ -1919,7 +1925,7 @@
           <a:p>
             <a:fld id="{F65B811B-E3B4-42AF-946D-EBB340E40D27}" type="datetimeFigureOut">
               <a:rPr lang="zh-CN" altLang="en-US" smtClean="0"/>
-              <a:t>2018/9/6</a:t>
+              <a:t>2018/9/7</a:t>
             </a:fld>
             <a:endParaRPr lang="zh-CN" altLang="en-US"/>
           </a:p>
@@ -2072,7 +2078,7 @@
           <a:p>
             <a:fld id="{F65B811B-E3B4-42AF-946D-EBB340E40D27}" type="datetimeFigureOut">
               <a:rPr lang="zh-CN" altLang="en-US" smtClean="0"/>
-              <a:t>2018/9/6</a:t>
+              <a:t>2018/9/7</a:t>
             </a:fld>
             <a:endParaRPr lang="zh-CN" altLang="en-US"/>
           </a:p>
@@ -2197,7 +2203,7 @@
           <a:p>
             <a:fld id="{F65B811B-E3B4-42AF-946D-EBB340E40D27}" type="datetimeFigureOut">
               <a:rPr lang="zh-CN" altLang="en-US" smtClean="0"/>
-              <a:t>2018/9/6</a:t>
+              <a:t>2018/9/7</a:t>
             </a:fld>
             <a:endParaRPr lang="zh-CN" altLang="en-US"/>
           </a:p>
@@ -2520,7 +2526,7 @@
           <a:p>
             <a:fld id="{F65B811B-E3B4-42AF-946D-EBB340E40D27}" type="datetimeFigureOut">
               <a:rPr lang="zh-CN" altLang="en-US" smtClean="0"/>
-              <a:t>2018/9/6</a:t>
+              <a:t>2018/9/7</a:t>
             </a:fld>
             <a:endParaRPr lang="zh-CN" altLang="en-US"/>
           </a:p>
@@ -2820,7 +2826,7 @@
           <a:p>
             <a:fld id="{F65B811B-E3B4-42AF-946D-EBB340E40D27}" type="datetimeFigureOut">
               <a:rPr lang="zh-CN" altLang="en-US" smtClean="0"/>
-              <a:t>2018/9/6</a:t>
+              <a:t>2018/9/7</a:t>
             </a:fld>
             <a:endParaRPr lang="zh-CN" altLang="en-US"/>
           </a:p>
@@ -3073,7 +3079,7 @@
           <a:p>
             <a:fld id="{F65B811B-E3B4-42AF-946D-EBB340E40D27}" type="datetimeFigureOut">
               <a:rPr lang="zh-CN" altLang="en-US" smtClean="0"/>
-              <a:t>2018/9/6</a:t>
+              <a:t>2018/9/7</a:t>
             </a:fld>
             <a:endParaRPr lang="zh-CN" altLang="en-US"/>
           </a:p>
@@ -9118,6 +9124,3069 @@
         </p:blipFill>
         <p:spPr>
           <a:xfrm>
+            <a:off x="20" y="10"/>
+            <a:ext cx="12191980" cy="6857990"/>
+          </a:xfrm>
+          <a:prstGeom prst="rect">
+            <a:avLst/>
+          </a:prstGeom>
+        </p:spPr>
+      </p:pic>
+      <p:sp>
+        <p:nvSpPr>
+          <p:cNvPr id="2" name="文本框 1">
+            <a:extLst>
+              <a:ext uri="{FF2B5EF4-FFF2-40B4-BE49-F238E27FC236}">
+                <a16:creationId xmlns:a16="http://schemas.microsoft.com/office/drawing/2014/main" id="{28BDB8FF-E3CE-4A22-9541-B7DC72375567}"/>
+              </a:ext>
+            </a:extLst>
+          </p:cNvPr>
+          <p:cNvSpPr txBox="1"/>
+          <p:nvPr/>
+        </p:nvSpPr>
+        <p:spPr>
+          <a:xfrm>
+            <a:off x="4772561" y="3013501"/>
+            <a:ext cx="2646878" cy="830997"/>
+          </a:xfrm>
+          <a:prstGeom prst="rect">
+            <a:avLst/>
+          </a:prstGeom>
+          <a:noFill/>
+        </p:spPr>
+        <p:txBody>
+          <a:bodyPr wrap="none" rtlCol="0">
+            <a:spAutoFit/>
+          </a:bodyPr>
+          <a:lstStyle/>
+          <a:p>
+            <a:r>
+              <a:rPr lang="zh-CN" altLang="en-US" sz="4800" dirty="0">
+                <a:solidFill>
+                  <a:schemeClr val="bg1"/>
+                </a:solidFill>
+              </a:rPr>
+              <a:t>创建项目</a:t>
+            </a:r>
+          </a:p>
+        </p:txBody>
+      </p:sp>
+    </p:spTree>
+    <p:extLst>
+      <p:ext uri="{BB962C8B-B14F-4D97-AF65-F5344CB8AC3E}">
+        <p14:creationId xmlns:p14="http://schemas.microsoft.com/office/powerpoint/2010/main" val="3546905397"/>
+      </p:ext>
+    </p:extLst>
+  </p:cSld>
+  <p:clrMapOvr>
+    <a:masterClrMapping/>
+  </p:clrMapOvr>
+  <mc:AlternateContent xmlns:mc="http://schemas.openxmlformats.org/markup-compatibility/2006" xmlns:p14="http://schemas.microsoft.com/office/powerpoint/2010/main">
+    <mc:Choice Requires="p14">
+      <p:transition spd="med" p14:dur="700">
+        <p:fade/>
+      </p:transition>
+    </mc:Choice>
+    <mc:Fallback xmlns="">
+      <p:transition spd="med">
+        <p:fade/>
+      </p:transition>
+    </mc:Fallback>
+  </mc:AlternateContent>
+</p:sld>
+</file>
+
+<file path=ppt/slides/slide22.xml><?xml version="1.0" encoding="utf-8"?>
+<p:sld xmlns:a="http://schemas.openxmlformats.org/drawingml/2006/main" xmlns:r="http://schemas.openxmlformats.org/officeDocument/2006/relationships" xmlns:p="http://schemas.openxmlformats.org/presentationml/2006/main">
+  <p:cSld>
+    <p:spTree>
+      <p:nvGrpSpPr>
+        <p:cNvPr id="1" name=""/>
+        <p:cNvGrpSpPr/>
+        <p:nvPr/>
+      </p:nvGrpSpPr>
+      <p:grpSpPr>
+        <a:xfrm>
+          <a:off x="0" y="0"/>
+          <a:ext cx="0" cy="0"/>
+          <a:chOff x="0" y="0"/>
+          <a:chExt cx="0" cy="0"/>
+        </a:xfrm>
+      </p:grpSpPr>
+      <p:pic>
+        <p:nvPicPr>
+          <p:cNvPr id="5" name="图片 4">
+            <a:extLst>
+              <a:ext uri="{FF2B5EF4-FFF2-40B4-BE49-F238E27FC236}">
+                <a16:creationId xmlns:a16="http://schemas.microsoft.com/office/drawing/2014/main" id="{FFBC54D9-EE7D-4F07-8427-DCC6BB637B01}"/>
+              </a:ext>
+            </a:extLst>
+          </p:cNvPr>
+          <p:cNvPicPr>
+            <a:picLocks noChangeAspect="1"/>
+          </p:cNvPicPr>
+          <p:nvPr/>
+        </p:nvPicPr>
+        <p:blipFill rotWithShape="1">
+          <a:blip r:embed="rId2">
+            <a:extLst>
+              <a:ext uri="{28A0092B-C50C-407E-A947-70E740481C1C}">
+                <a14:useLocalDpi xmlns:a14="http://schemas.microsoft.com/office/drawing/2010/main" val="0"/>
+              </a:ext>
+            </a:extLst>
+          </a:blip>
+          <a:srcRect l="1084" r="26027"/>
+          <a:stretch/>
+        </p:blipFill>
+        <p:spPr>
+          <a:xfrm>
+            <a:off x="20" y="10"/>
+            <a:ext cx="12191980" cy="6857990"/>
+          </a:xfrm>
+          <a:prstGeom prst="rect">
+            <a:avLst/>
+          </a:prstGeom>
+        </p:spPr>
+      </p:pic>
+      <p:sp>
+        <p:nvSpPr>
+          <p:cNvPr id="3" name="文本框 2">
+            <a:extLst>
+              <a:ext uri="{FF2B5EF4-FFF2-40B4-BE49-F238E27FC236}">
+                <a16:creationId xmlns:a16="http://schemas.microsoft.com/office/drawing/2014/main" id="{2EAED75D-B13E-4DFC-BACD-BA08D1AB51A1}"/>
+              </a:ext>
+            </a:extLst>
+          </p:cNvPr>
+          <p:cNvSpPr txBox="1"/>
+          <p:nvPr/>
+        </p:nvSpPr>
+        <p:spPr>
+          <a:xfrm>
+            <a:off x="827314" y="1054982"/>
+            <a:ext cx="3057247" cy="523220"/>
+          </a:xfrm>
+          <a:prstGeom prst="rect">
+            <a:avLst/>
+          </a:prstGeom>
+          <a:noFill/>
+        </p:spPr>
+        <p:txBody>
+          <a:bodyPr wrap="none" rtlCol="0">
+            <a:spAutoFit/>
+          </a:bodyPr>
+          <a:lstStyle/>
+          <a:p>
+            <a:r>
+              <a:rPr lang="zh-CN" altLang="en-US" sz="2800" dirty="0">
+                <a:solidFill>
+                  <a:schemeClr val="bg1"/>
+                </a:solidFill>
+              </a:rPr>
+              <a:t>第一步：新建项目</a:t>
+            </a:r>
+          </a:p>
+        </p:txBody>
+      </p:sp>
+      <p:sp>
+        <p:nvSpPr>
+          <p:cNvPr id="8" name="文本框 7">
+            <a:extLst>
+              <a:ext uri="{FF2B5EF4-FFF2-40B4-BE49-F238E27FC236}">
+                <a16:creationId xmlns:a16="http://schemas.microsoft.com/office/drawing/2014/main" id="{4E65E748-A25E-41D4-973B-8D8EB7132D23}"/>
+              </a:ext>
+            </a:extLst>
+          </p:cNvPr>
+          <p:cNvSpPr txBox="1"/>
+          <p:nvPr/>
+        </p:nvSpPr>
+        <p:spPr>
+          <a:xfrm>
+            <a:off x="1595534" y="2109954"/>
+            <a:ext cx="6139822" cy="523220"/>
+          </a:xfrm>
+          <a:prstGeom prst="rect">
+            <a:avLst/>
+          </a:prstGeom>
+          <a:noFill/>
+        </p:spPr>
+        <p:txBody>
+          <a:bodyPr wrap="none" rtlCol="0">
+            <a:spAutoFit/>
+          </a:bodyPr>
+          <a:lstStyle/>
+          <a:p>
+            <a:r>
+              <a:rPr lang="zh-CN" altLang="en-US" sz="2800" dirty="0">
+                <a:solidFill>
+                  <a:schemeClr val="bg1"/>
+                </a:solidFill>
+              </a:rPr>
+              <a:t>方法</a:t>
+            </a:r>
+            <a:r>
+              <a:rPr lang="en-US" altLang="zh-CN" sz="2800" dirty="0">
+                <a:solidFill>
+                  <a:schemeClr val="bg1"/>
+                </a:solidFill>
+              </a:rPr>
+              <a:t>1</a:t>
+            </a:r>
+            <a:r>
+              <a:rPr lang="zh-CN" altLang="en-US" sz="2800" dirty="0">
+                <a:solidFill>
+                  <a:schemeClr val="bg1"/>
+                </a:solidFill>
+              </a:rPr>
+              <a:t>：在导航页点击“创建新项目”</a:t>
+            </a:r>
+          </a:p>
+        </p:txBody>
+      </p:sp>
+      <p:sp>
+        <p:nvSpPr>
+          <p:cNvPr id="9" name="文本框 8">
+            <a:extLst>
+              <a:ext uri="{FF2B5EF4-FFF2-40B4-BE49-F238E27FC236}">
+                <a16:creationId xmlns:a16="http://schemas.microsoft.com/office/drawing/2014/main" id="{DE069908-A054-43F4-91D3-1FE9DD9E44DE}"/>
+              </a:ext>
+            </a:extLst>
+          </p:cNvPr>
+          <p:cNvSpPr txBox="1"/>
+          <p:nvPr/>
+        </p:nvSpPr>
+        <p:spPr>
+          <a:xfrm>
+            <a:off x="1595534" y="2756876"/>
+            <a:ext cx="9496510" cy="523220"/>
+          </a:xfrm>
+          <a:prstGeom prst="rect">
+            <a:avLst/>
+          </a:prstGeom>
+          <a:noFill/>
+        </p:spPr>
+        <p:txBody>
+          <a:bodyPr wrap="none" rtlCol="0">
+            <a:spAutoFit/>
+          </a:bodyPr>
+          <a:lstStyle/>
+          <a:p>
+            <a:r>
+              <a:rPr lang="zh-CN" altLang="en-US" sz="2800" dirty="0">
+                <a:solidFill>
+                  <a:schemeClr val="bg1"/>
+                </a:solidFill>
+              </a:rPr>
+              <a:t>方法</a:t>
+            </a:r>
+            <a:r>
+              <a:rPr lang="en-US" altLang="zh-CN" sz="2800" dirty="0">
+                <a:solidFill>
+                  <a:schemeClr val="bg1"/>
+                </a:solidFill>
+              </a:rPr>
+              <a:t>2</a:t>
+            </a:r>
+            <a:r>
+              <a:rPr lang="zh-CN" altLang="en-US" sz="2800" dirty="0">
+                <a:solidFill>
+                  <a:schemeClr val="bg1"/>
+                </a:solidFill>
+              </a:rPr>
+              <a:t>：在菜单栏依次选择“文件”</a:t>
+            </a:r>
+            <a:r>
+              <a:rPr lang="en-US" altLang="zh-CN" sz="2800" dirty="0">
+                <a:solidFill>
+                  <a:schemeClr val="bg1"/>
+                </a:solidFill>
+              </a:rPr>
+              <a:t>-&gt;</a:t>
+            </a:r>
+            <a:r>
+              <a:rPr lang="zh-CN" altLang="en-US" sz="2800" dirty="0">
+                <a:solidFill>
+                  <a:schemeClr val="bg1"/>
+                </a:solidFill>
+              </a:rPr>
+              <a:t>“新建”</a:t>
+            </a:r>
+            <a:r>
+              <a:rPr lang="en-US" altLang="zh-CN" sz="2800" dirty="0">
+                <a:solidFill>
+                  <a:schemeClr val="bg1"/>
+                </a:solidFill>
+              </a:rPr>
+              <a:t>-&gt;</a:t>
+            </a:r>
+            <a:r>
+              <a:rPr lang="zh-CN" altLang="en-US" sz="2800" dirty="0">
+                <a:solidFill>
+                  <a:schemeClr val="bg1"/>
+                </a:solidFill>
+              </a:rPr>
+              <a:t>“项目”</a:t>
+            </a:r>
+          </a:p>
+        </p:txBody>
+      </p:sp>
+      <p:sp>
+        <p:nvSpPr>
+          <p:cNvPr id="10" name="文本框 9">
+            <a:extLst>
+              <a:ext uri="{FF2B5EF4-FFF2-40B4-BE49-F238E27FC236}">
+                <a16:creationId xmlns:a16="http://schemas.microsoft.com/office/drawing/2014/main" id="{A200EFA8-DC87-4A7B-8CC1-36712DB418CC}"/>
+              </a:ext>
+            </a:extLst>
+          </p:cNvPr>
+          <p:cNvSpPr txBox="1"/>
+          <p:nvPr/>
+        </p:nvSpPr>
+        <p:spPr>
+          <a:xfrm>
+            <a:off x="1595534" y="4073458"/>
+            <a:ext cx="4134465" cy="523220"/>
+          </a:xfrm>
+          <a:prstGeom prst="rect">
+            <a:avLst/>
+          </a:prstGeom>
+          <a:noFill/>
+        </p:spPr>
+        <p:txBody>
+          <a:bodyPr wrap="none" rtlCol="0">
+            <a:spAutoFit/>
+          </a:bodyPr>
+          <a:lstStyle/>
+          <a:p>
+            <a:r>
+              <a:rPr lang="zh-CN" altLang="en-US" sz="2800" dirty="0">
+                <a:solidFill>
+                  <a:schemeClr val="bg1"/>
+                </a:solidFill>
+              </a:rPr>
+              <a:t>完成后将会弹出如下界面</a:t>
+            </a:r>
+          </a:p>
+        </p:txBody>
+      </p:sp>
+      <p:sp>
+        <p:nvSpPr>
+          <p:cNvPr id="14" name="文本框 13">
+            <a:extLst>
+              <a:ext uri="{FF2B5EF4-FFF2-40B4-BE49-F238E27FC236}">
+                <a16:creationId xmlns:a16="http://schemas.microsoft.com/office/drawing/2014/main" id="{9A7AF659-0822-41B2-9195-FC594457FCFA}"/>
+              </a:ext>
+            </a:extLst>
+          </p:cNvPr>
+          <p:cNvSpPr txBox="1"/>
+          <p:nvPr/>
+        </p:nvSpPr>
+        <p:spPr>
+          <a:xfrm>
+            <a:off x="1595534" y="3403798"/>
+            <a:ext cx="10330072" cy="523220"/>
+          </a:xfrm>
+          <a:prstGeom prst="rect">
+            <a:avLst/>
+          </a:prstGeom>
+          <a:noFill/>
+        </p:spPr>
+        <p:txBody>
+          <a:bodyPr wrap="none" rtlCol="0">
+            <a:spAutoFit/>
+          </a:bodyPr>
+          <a:lstStyle/>
+          <a:p>
+            <a:r>
+              <a:rPr lang="zh-CN" altLang="en-US" sz="2800" dirty="0">
+                <a:solidFill>
+                  <a:schemeClr val="bg1"/>
+                </a:solidFill>
+              </a:rPr>
+              <a:t>方法</a:t>
+            </a:r>
+            <a:r>
+              <a:rPr lang="en-US" altLang="zh-CN" sz="2800" dirty="0">
+                <a:solidFill>
+                  <a:schemeClr val="bg1"/>
+                </a:solidFill>
+              </a:rPr>
+              <a:t>3</a:t>
+            </a:r>
+            <a:r>
+              <a:rPr lang="zh-CN" altLang="en-US" sz="2800" dirty="0">
+                <a:solidFill>
+                  <a:schemeClr val="bg1"/>
+                </a:solidFill>
+              </a:rPr>
+              <a:t>：在导航页点击“空项目</a:t>
+            </a:r>
+            <a:r>
+              <a:rPr lang="en-US" altLang="zh-CN" sz="2800" dirty="0">
+                <a:solidFill>
+                  <a:schemeClr val="bg1"/>
+                </a:solidFill>
+              </a:rPr>
+              <a:t>”(</a:t>
+            </a:r>
+            <a:r>
+              <a:rPr lang="zh-CN" altLang="en-US" sz="2800" dirty="0">
+                <a:solidFill>
+                  <a:schemeClr val="accent2"/>
+                </a:solidFill>
+              </a:rPr>
+              <a:t>前提是近期创建过该类型项目</a:t>
+            </a:r>
+            <a:r>
+              <a:rPr lang="en-US" altLang="zh-CN" sz="2800" dirty="0">
+                <a:solidFill>
+                  <a:schemeClr val="bg1"/>
+                </a:solidFill>
+              </a:rPr>
+              <a:t>)</a:t>
+            </a:r>
+            <a:endParaRPr lang="zh-CN" altLang="en-US" sz="2800" dirty="0">
+              <a:solidFill>
+                <a:schemeClr val="bg1"/>
+              </a:solidFill>
+            </a:endParaRPr>
+          </a:p>
+        </p:txBody>
+      </p:sp>
+      <p:pic>
+        <p:nvPicPr>
+          <p:cNvPr id="7" name="图片 6">
+            <a:extLst>
+              <a:ext uri="{FF2B5EF4-FFF2-40B4-BE49-F238E27FC236}">
+                <a16:creationId xmlns:a16="http://schemas.microsoft.com/office/drawing/2014/main" id="{2CA6628E-FFCB-47EE-A241-9385C78A634F}"/>
+              </a:ext>
+            </a:extLst>
+          </p:cNvPr>
+          <p:cNvPicPr>
+            <a:picLocks noChangeAspect="1"/>
+          </p:cNvPicPr>
+          <p:nvPr/>
+        </p:nvPicPr>
+        <p:blipFill>
+          <a:blip r:embed="rId3"/>
+          <a:stretch>
+            <a:fillRect/>
+          </a:stretch>
+        </p:blipFill>
+        <p:spPr>
+          <a:xfrm>
+            <a:off x="1595534" y="389172"/>
+            <a:ext cx="8262517" cy="5914950"/>
+          </a:xfrm>
+          <a:prstGeom prst="rect">
+            <a:avLst/>
+          </a:prstGeom>
+        </p:spPr>
+      </p:pic>
+      <p:pic>
+        <p:nvPicPr>
+          <p:cNvPr id="12" name="图片 11">
+            <a:extLst>
+              <a:ext uri="{FF2B5EF4-FFF2-40B4-BE49-F238E27FC236}">
+                <a16:creationId xmlns:a16="http://schemas.microsoft.com/office/drawing/2014/main" id="{62B0BBE3-42E2-4908-9040-3B86BD5C23BC}"/>
+              </a:ext>
+            </a:extLst>
+          </p:cNvPr>
+          <p:cNvPicPr>
+            <a:picLocks noChangeAspect="1"/>
+          </p:cNvPicPr>
+          <p:nvPr/>
+        </p:nvPicPr>
+        <p:blipFill>
+          <a:blip r:embed="rId4"/>
+          <a:stretch>
+            <a:fillRect/>
+          </a:stretch>
+        </p:blipFill>
+        <p:spPr>
+          <a:xfrm>
+            <a:off x="1674884" y="389172"/>
+            <a:ext cx="8183167" cy="5937243"/>
+          </a:xfrm>
+          <a:prstGeom prst="rect">
+            <a:avLst/>
+          </a:prstGeom>
+        </p:spPr>
+      </p:pic>
+      <p:pic>
+        <p:nvPicPr>
+          <p:cNvPr id="13" name="图片 12">
+            <a:extLst>
+              <a:ext uri="{FF2B5EF4-FFF2-40B4-BE49-F238E27FC236}">
+                <a16:creationId xmlns:a16="http://schemas.microsoft.com/office/drawing/2014/main" id="{AE2A8B99-A867-4F3D-BFEA-B7B92709D58B}"/>
+              </a:ext>
+            </a:extLst>
+          </p:cNvPr>
+          <p:cNvPicPr>
+            <a:picLocks noChangeAspect="1"/>
+          </p:cNvPicPr>
+          <p:nvPr/>
+        </p:nvPicPr>
+        <p:blipFill>
+          <a:blip r:embed="rId5"/>
+          <a:stretch>
+            <a:fillRect/>
+          </a:stretch>
+        </p:blipFill>
+        <p:spPr>
+          <a:xfrm>
+            <a:off x="1678011" y="384759"/>
+            <a:ext cx="8209464" cy="5982090"/>
+          </a:xfrm>
+          <a:prstGeom prst="rect">
+            <a:avLst/>
+          </a:prstGeom>
+        </p:spPr>
+      </p:pic>
+      <p:pic>
+        <p:nvPicPr>
+          <p:cNvPr id="15" name="图片 14">
+            <a:extLst>
+              <a:ext uri="{FF2B5EF4-FFF2-40B4-BE49-F238E27FC236}">
+                <a16:creationId xmlns:a16="http://schemas.microsoft.com/office/drawing/2014/main" id="{742B44EA-7630-4F80-B375-4EDEB65E8B0B}"/>
+              </a:ext>
+            </a:extLst>
+          </p:cNvPr>
+          <p:cNvPicPr>
+            <a:picLocks noChangeAspect="1"/>
+          </p:cNvPicPr>
+          <p:nvPr/>
+        </p:nvPicPr>
+        <p:blipFill>
+          <a:blip r:embed="rId6"/>
+          <a:stretch>
+            <a:fillRect/>
+          </a:stretch>
+        </p:blipFill>
+        <p:spPr>
+          <a:xfrm>
+            <a:off x="1301790" y="319476"/>
+            <a:ext cx="8961905" cy="6219048"/>
+          </a:xfrm>
+          <a:prstGeom prst="rect">
+            <a:avLst/>
+          </a:prstGeom>
+        </p:spPr>
+      </p:pic>
+    </p:spTree>
+    <p:extLst>
+      <p:ext uri="{BB962C8B-B14F-4D97-AF65-F5344CB8AC3E}">
+        <p14:creationId xmlns:p14="http://schemas.microsoft.com/office/powerpoint/2010/main" val="2475291741"/>
+      </p:ext>
+    </p:extLst>
+  </p:cSld>
+  <p:clrMapOvr>
+    <a:masterClrMapping/>
+  </p:clrMapOvr>
+  <mc:AlternateContent xmlns:mc="http://schemas.openxmlformats.org/markup-compatibility/2006" xmlns:p14="http://schemas.microsoft.com/office/powerpoint/2010/main">
+    <mc:Choice Requires="p14">
+      <p:transition spd="med" p14:dur="700">
+        <p:fade/>
+      </p:transition>
+    </mc:Choice>
+    <mc:Fallback xmlns="">
+      <p:transition spd="med">
+        <p:fade/>
+      </p:transition>
+    </mc:Fallback>
+  </mc:AlternateContent>
+  <p:timing>
+    <p:tnLst>
+      <p:par>
+        <p:cTn id="1" dur="indefinite" restart="never" nodeType="tmRoot">
+          <p:childTnLst>
+            <p:seq concurrent="1" nextAc="seek">
+              <p:cTn id="2" dur="indefinite" nodeType="mainSeq">
+                <p:childTnLst>
+                  <p:par>
+                    <p:cTn id="3" fill="hold">
+                      <p:stCondLst>
+                        <p:cond delay="indefinite"/>
+                      </p:stCondLst>
+                      <p:childTnLst>
+                        <p:par>
+                          <p:cTn id="4" fill="hold">
+                            <p:stCondLst>
+                              <p:cond delay="0"/>
+                            </p:stCondLst>
+                            <p:childTnLst>
+                              <p:par>
+                                <p:cTn id="5" presetID="10" presetClass="entr" presetSubtype="0" fill="hold" grpId="0" nodeType="clickEffect">
+                                  <p:stCondLst>
+                                    <p:cond delay="0"/>
+                                  </p:stCondLst>
+                                  <p:childTnLst>
+                                    <p:set>
+                                      <p:cBhvr>
+                                        <p:cTn id="6" dur="1" fill="hold">
+                                          <p:stCondLst>
+                                            <p:cond delay="0"/>
+                                          </p:stCondLst>
+                                        </p:cTn>
+                                        <p:tgtEl>
+                                          <p:spTgt spid="8"/>
+                                        </p:tgtEl>
+                                        <p:attrNameLst>
+                                          <p:attrName>style.visibility</p:attrName>
+                                        </p:attrNameLst>
+                                      </p:cBhvr>
+                                      <p:to>
+                                        <p:strVal val="visible"/>
+                                      </p:to>
+                                    </p:set>
+                                    <p:animEffect transition="in" filter="fade">
+                                      <p:cBhvr>
+                                        <p:cTn id="7" dur="500"/>
+                                        <p:tgtEl>
+                                          <p:spTgt spid="8"/>
+                                        </p:tgtEl>
+                                      </p:cBhvr>
+                                    </p:animEffect>
+                                  </p:childTnLst>
+                                </p:cTn>
+                              </p:par>
+                            </p:childTnLst>
+                          </p:cTn>
+                        </p:par>
+                      </p:childTnLst>
+                    </p:cTn>
+                  </p:par>
+                  <p:par>
+                    <p:cTn id="8" fill="hold">
+                      <p:stCondLst>
+                        <p:cond delay="indefinite"/>
+                      </p:stCondLst>
+                      <p:childTnLst>
+                        <p:par>
+                          <p:cTn id="9" fill="hold">
+                            <p:stCondLst>
+                              <p:cond delay="0"/>
+                            </p:stCondLst>
+                            <p:childTnLst>
+                              <p:par>
+                                <p:cTn id="10" presetID="2" presetClass="entr" presetSubtype="2" fill="hold" nodeType="clickEffect">
+                                  <p:stCondLst>
+                                    <p:cond delay="0"/>
+                                  </p:stCondLst>
+                                  <p:childTnLst>
+                                    <p:set>
+                                      <p:cBhvr>
+                                        <p:cTn id="11" dur="1" fill="hold">
+                                          <p:stCondLst>
+                                            <p:cond delay="0"/>
+                                          </p:stCondLst>
+                                        </p:cTn>
+                                        <p:tgtEl>
+                                          <p:spTgt spid="7"/>
+                                        </p:tgtEl>
+                                        <p:attrNameLst>
+                                          <p:attrName>style.visibility</p:attrName>
+                                        </p:attrNameLst>
+                                      </p:cBhvr>
+                                      <p:to>
+                                        <p:strVal val="visible"/>
+                                      </p:to>
+                                    </p:set>
+                                    <p:anim calcmode="lin" valueType="num">
+                                      <p:cBhvr additive="base">
+                                        <p:cTn id="12" dur="500" fill="hold"/>
+                                        <p:tgtEl>
+                                          <p:spTgt spid="7"/>
+                                        </p:tgtEl>
+                                        <p:attrNameLst>
+                                          <p:attrName>ppt_x</p:attrName>
+                                        </p:attrNameLst>
+                                      </p:cBhvr>
+                                      <p:tavLst>
+                                        <p:tav tm="0">
+                                          <p:val>
+                                            <p:strVal val="1+#ppt_w/2"/>
+                                          </p:val>
+                                        </p:tav>
+                                        <p:tav tm="100000">
+                                          <p:val>
+                                            <p:strVal val="#ppt_x"/>
+                                          </p:val>
+                                        </p:tav>
+                                      </p:tavLst>
+                                    </p:anim>
+                                    <p:anim calcmode="lin" valueType="num">
+                                      <p:cBhvr additive="base">
+                                        <p:cTn id="13" dur="500" fill="hold"/>
+                                        <p:tgtEl>
+                                          <p:spTgt spid="7"/>
+                                        </p:tgtEl>
+                                        <p:attrNameLst>
+                                          <p:attrName>ppt_y</p:attrName>
+                                        </p:attrNameLst>
+                                      </p:cBhvr>
+                                      <p:tavLst>
+                                        <p:tav tm="0">
+                                          <p:val>
+                                            <p:strVal val="#ppt_y"/>
+                                          </p:val>
+                                        </p:tav>
+                                        <p:tav tm="100000">
+                                          <p:val>
+                                            <p:strVal val="#ppt_y"/>
+                                          </p:val>
+                                        </p:tav>
+                                      </p:tavLst>
+                                    </p:anim>
+                                  </p:childTnLst>
+                                </p:cTn>
+                              </p:par>
+                            </p:childTnLst>
+                          </p:cTn>
+                        </p:par>
+                      </p:childTnLst>
+                    </p:cTn>
+                  </p:par>
+                  <p:par>
+                    <p:cTn id="14" fill="hold">
+                      <p:stCondLst>
+                        <p:cond delay="indefinite"/>
+                      </p:stCondLst>
+                      <p:childTnLst>
+                        <p:par>
+                          <p:cTn id="15" fill="hold">
+                            <p:stCondLst>
+                              <p:cond delay="0"/>
+                            </p:stCondLst>
+                            <p:childTnLst>
+                              <p:par>
+                                <p:cTn id="16" presetID="2" presetClass="exit" presetSubtype="8" fill="hold" nodeType="clickEffect">
+                                  <p:stCondLst>
+                                    <p:cond delay="0"/>
+                                  </p:stCondLst>
+                                  <p:childTnLst>
+                                    <p:anim calcmode="lin" valueType="num">
+                                      <p:cBhvr additive="base">
+                                        <p:cTn id="17" dur="500"/>
+                                        <p:tgtEl>
+                                          <p:spTgt spid="7"/>
+                                        </p:tgtEl>
+                                        <p:attrNameLst>
+                                          <p:attrName>ppt_x</p:attrName>
+                                        </p:attrNameLst>
+                                      </p:cBhvr>
+                                      <p:tavLst>
+                                        <p:tav tm="0">
+                                          <p:val>
+                                            <p:strVal val="ppt_x"/>
+                                          </p:val>
+                                        </p:tav>
+                                        <p:tav tm="100000">
+                                          <p:val>
+                                            <p:strVal val="0-ppt_w/2"/>
+                                          </p:val>
+                                        </p:tav>
+                                      </p:tavLst>
+                                    </p:anim>
+                                    <p:anim calcmode="lin" valueType="num">
+                                      <p:cBhvr additive="base">
+                                        <p:cTn id="18" dur="500"/>
+                                        <p:tgtEl>
+                                          <p:spTgt spid="7"/>
+                                        </p:tgtEl>
+                                        <p:attrNameLst>
+                                          <p:attrName>ppt_y</p:attrName>
+                                        </p:attrNameLst>
+                                      </p:cBhvr>
+                                      <p:tavLst>
+                                        <p:tav tm="0">
+                                          <p:val>
+                                            <p:strVal val="ppt_y"/>
+                                          </p:val>
+                                        </p:tav>
+                                        <p:tav tm="100000">
+                                          <p:val>
+                                            <p:strVal val="ppt_y"/>
+                                          </p:val>
+                                        </p:tav>
+                                      </p:tavLst>
+                                    </p:anim>
+                                    <p:set>
+                                      <p:cBhvr>
+                                        <p:cTn id="19" dur="1" fill="hold">
+                                          <p:stCondLst>
+                                            <p:cond delay="499"/>
+                                          </p:stCondLst>
+                                        </p:cTn>
+                                        <p:tgtEl>
+                                          <p:spTgt spid="7"/>
+                                        </p:tgtEl>
+                                        <p:attrNameLst>
+                                          <p:attrName>style.visibility</p:attrName>
+                                        </p:attrNameLst>
+                                      </p:cBhvr>
+                                      <p:to>
+                                        <p:strVal val="hidden"/>
+                                      </p:to>
+                                    </p:set>
+                                  </p:childTnLst>
+                                </p:cTn>
+                              </p:par>
+                            </p:childTnLst>
+                          </p:cTn>
+                        </p:par>
+                      </p:childTnLst>
+                    </p:cTn>
+                  </p:par>
+                  <p:par>
+                    <p:cTn id="20" fill="hold">
+                      <p:stCondLst>
+                        <p:cond delay="indefinite"/>
+                      </p:stCondLst>
+                      <p:childTnLst>
+                        <p:par>
+                          <p:cTn id="21" fill="hold">
+                            <p:stCondLst>
+                              <p:cond delay="0"/>
+                            </p:stCondLst>
+                            <p:childTnLst>
+                              <p:par>
+                                <p:cTn id="22" presetID="10" presetClass="entr" presetSubtype="0" fill="hold" grpId="0" nodeType="clickEffect">
+                                  <p:stCondLst>
+                                    <p:cond delay="0"/>
+                                  </p:stCondLst>
+                                  <p:childTnLst>
+                                    <p:set>
+                                      <p:cBhvr>
+                                        <p:cTn id="23" dur="1" fill="hold">
+                                          <p:stCondLst>
+                                            <p:cond delay="0"/>
+                                          </p:stCondLst>
+                                        </p:cTn>
+                                        <p:tgtEl>
+                                          <p:spTgt spid="9"/>
+                                        </p:tgtEl>
+                                        <p:attrNameLst>
+                                          <p:attrName>style.visibility</p:attrName>
+                                        </p:attrNameLst>
+                                      </p:cBhvr>
+                                      <p:to>
+                                        <p:strVal val="visible"/>
+                                      </p:to>
+                                    </p:set>
+                                    <p:animEffect transition="in" filter="fade">
+                                      <p:cBhvr>
+                                        <p:cTn id="24" dur="500"/>
+                                        <p:tgtEl>
+                                          <p:spTgt spid="9"/>
+                                        </p:tgtEl>
+                                      </p:cBhvr>
+                                    </p:animEffect>
+                                  </p:childTnLst>
+                                </p:cTn>
+                              </p:par>
+                            </p:childTnLst>
+                          </p:cTn>
+                        </p:par>
+                      </p:childTnLst>
+                    </p:cTn>
+                  </p:par>
+                  <p:par>
+                    <p:cTn id="25" fill="hold">
+                      <p:stCondLst>
+                        <p:cond delay="indefinite"/>
+                      </p:stCondLst>
+                      <p:childTnLst>
+                        <p:par>
+                          <p:cTn id="26" fill="hold">
+                            <p:stCondLst>
+                              <p:cond delay="0"/>
+                            </p:stCondLst>
+                            <p:childTnLst>
+                              <p:par>
+                                <p:cTn id="27" presetID="2" presetClass="entr" presetSubtype="2" fill="hold" nodeType="clickEffect">
+                                  <p:stCondLst>
+                                    <p:cond delay="0"/>
+                                  </p:stCondLst>
+                                  <p:childTnLst>
+                                    <p:set>
+                                      <p:cBhvr>
+                                        <p:cTn id="28" dur="1" fill="hold">
+                                          <p:stCondLst>
+                                            <p:cond delay="0"/>
+                                          </p:stCondLst>
+                                        </p:cTn>
+                                        <p:tgtEl>
+                                          <p:spTgt spid="12"/>
+                                        </p:tgtEl>
+                                        <p:attrNameLst>
+                                          <p:attrName>style.visibility</p:attrName>
+                                        </p:attrNameLst>
+                                      </p:cBhvr>
+                                      <p:to>
+                                        <p:strVal val="visible"/>
+                                      </p:to>
+                                    </p:set>
+                                    <p:anim calcmode="lin" valueType="num">
+                                      <p:cBhvr additive="base">
+                                        <p:cTn id="29" dur="500" fill="hold"/>
+                                        <p:tgtEl>
+                                          <p:spTgt spid="12"/>
+                                        </p:tgtEl>
+                                        <p:attrNameLst>
+                                          <p:attrName>ppt_x</p:attrName>
+                                        </p:attrNameLst>
+                                      </p:cBhvr>
+                                      <p:tavLst>
+                                        <p:tav tm="0">
+                                          <p:val>
+                                            <p:strVal val="1+#ppt_w/2"/>
+                                          </p:val>
+                                        </p:tav>
+                                        <p:tav tm="100000">
+                                          <p:val>
+                                            <p:strVal val="#ppt_x"/>
+                                          </p:val>
+                                        </p:tav>
+                                      </p:tavLst>
+                                    </p:anim>
+                                    <p:anim calcmode="lin" valueType="num">
+                                      <p:cBhvr additive="base">
+                                        <p:cTn id="30" dur="500" fill="hold"/>
+                                        <p:tgtEl>
+                                          <p:spTgt spid="12"/>
+                                        </p:tgtEl>
+                                        <p:attrNameLst>
+                                          <p:attrName>ppt_y</p:attrName>
+                                        </p:attrNameLst>
+                                      </p:cBhvr>
+                                      <p:tavLst>
+                                        <p:tav tm="0">
+                                          <p:val>
+                                            <p:strVal val="#ppt_y"/>
+                                          </p:val>
+                                        </p:tav>
+                                        <p:tav tm="100000">
+                                          <p:val>
+                                            <p:strVal val="#ppt_y"/>
+                                          </p:val>
+                                        </p:tav>
+                                      </p:tavLst>
+                                    </p:anim>
+                                  </p:childTnLst>
+                                </p:cTn>
+                              </p:par>
+                            </p:childTnLst>
+                          </p:cTn>
+                        </p:par>
+                      </p:childTnLst>
+                    </p:cTn>
+                  </p:par>
+                  <p:par>
+                    <p:cTn id="31" fill="hold">
+                      <p:stCondLst>
+                        <p:cond delay="indefinite"/>
+                      </p:stCondLst>
+                      <p:childTnLst>
+                        <p:par>
+                          <p:cTn id="32" fill="hold">
+                            <p:stCondLst>
+                              <p:cond delay="0"/>
+                            </p:stCondLst>
+                            <p:childTnLst>
+                              <p:par>
+                                <p:cTn id="33" presetID="2" presetClass="exit" presetSubtype="8" fill="hold" nodeType="clickEffect">
+                                  <p:stCondLst>
+                                    <p:cond delay="0"/>
+                                  </p:stCondLst>
+                                  <p:childTnLst>
+                                    <p:anim calcmode="lin" valueType="num">
+                                      <p:cBhvr additive="base">
+                                        <p:cTn id="34" dur="500"/>
+                                        <p:tgtEl>
+                                          <p:spTgt spid="12"/>
+                                        </p:tgtEl>
+                                        <p:attrNameLst>
+                                          <p:attrName>ppt_x</p:attrName>
+                                        </p:attrNameLst>
+                                      </p:cBhvr>
+                                      <p:tavLst>
+                                        <p:tav tm="0">
+                                          <p:val>
+                                            <p:strVal val="ppt_x"/>
+                                          </p:val>
+                                        </p:tav>
+                                        <p:tav tm="100000">
+                                          <p:val>
+                                            <p:strVal val="0-ppt_w/2"/>
+                                          </p:val>
+                                        </p:tav>
+                                      </p:tavLst>
+                                    </p:anim>
+                                    <p:anim calcmode="lin" valueType="num">
+                                      <p:cBhvr additive="base">
+                                        <p:cTn id="35" dur="500"/>
+                                        <p:tgtEl>
+                                          <p:spTgt spid="12"/>
+                                        </p:tgtEl>
+                                        <p:attrNameLst>
+                                          <p:attrName>ppt_y</p:attrName>
+                                        </p:attrNameLst>
+                                      </p:cBhvr>
+                                      <p:tavLst>
+                                        <p:tav tm="0">
+                                          <p:val>
+                                            <p:strVal val="ppt_y"/>
+                                          </p:val>
+                                        </p:tav>
+                                        <p:tav tm="100000">
+                                          <p:val>
+                                            <p:strVal val="ppt_y"/>
+                                          </p:val>
+                                        </p:tav>
+                                      </p:tavLst>
+                                    </p:anim>
+                                    <p:set>
+                                      <p:cBhvr>
+                                        <p:cTn id="36" dur="1" fill="hold">
+                                          <p:stCondLst>
+                                            <p:cond delay="499"/>
+                                          </p:stCondLst>
+                                        </p:cTn>
+                                        <p:tgtEl>
+                                          <p:spTgt spid="12"/>
+                                        </p:tgtEl>
+                                        <p:attrNameLst>
+                                          <p:attrName>style.visibility</p:attrName>
+                                        </p:attrNameLst>
+                                      </p:cBhvr>
+                                      <p:to>
+                                        <p:strVal val="hidden"/>
+                                      </p:to>
+                                    </p:set>
+                                  </p:childTnLst>
+                                </p:cTn>
+                              </p:par>
+                            </p:childTnLst>
+                          </p:cTn>
+                        </p:par>
+                      </p:childTnLst>
+                    </p:cTn>
+                  </p:par>
+                  <p:par>
+                    <p:cTn id="37" fill="hold">
+                      <p:stCondLst>
+                        <p:cond delay="indefinite"/>
+                      </p:stCondLst>
+                      <p:childTnLst>
+                        <p:par>
+                          <p:cTn id="38" fill="hold">
+                            <p:stCondLst>
+                              <p:cond delay="0"/>
+                            </p:stCondLst>
+                            <p:childTnLst>
+                              <p:par>
+                                <p:cTn id="39" presetID="10" presetClass="entr" presetSubtype="0" fill="hold" grpId="0" nodeType="clickEffect">
+                                  <p:stCondLst>
+                                    <p:cond delay="0"/>
+                                  </p:stCondLst>
+                                  <p:childTnLst>
+                                    <p:set>
+                                      <p:cBhvr>
+                                        <p:cTn id="40" dur="1" fill="hold">
+                                          <p:stCondLst>
+                                            <p:cond delay="0"/>
+                                          </p:stCondLst>
+                                        </p:cTn>
+                                        <p:tgtEl>
+                                          <p:spTgt spid="14"/>
+                                        </p:tgtEl>
+                                        <p:attrNameLst>
+                                          <p:attrName>style.visibility</p:attrName>
+                                        </p:attrNameLst>
+                                      </p:cBhvr>
+                                      <p:to>
+                                        <p:strVal val="visible"/>
+                                      </p:to>
+                                    </p:set>
+                                    <p:animEffect transition="in" filter="fade">
+                                      <p:cBhvr>
+                                        <p:cTn id="41" dur="500"/>
+                                        <p:tgtEl>
+                                          <p:spTgt spid="14"/>
+                                        </p:tgtEl>
+                                      </p:cBhvr>
+                                    </p:animEffect>
+                                  </p:childTnLst>
+                                </p:cTn>
+                              </p:par>
+                            </p:childTnLst>
+                          </p:cTn>
+                        </p:par>
+                      </p:childTnLst>
+                    </p:cTn>
+                  </p:par>
+                  <p:par>
+                    <p:cTn id="42" fill="hold">
+                      <p:stCondLst>
+                        <p:cond delay="indefinite"/>
+                      </p:stCondLst>
+                      <p:childTnLst>
+                        <p:par>
+                          <p:cTn id="43" fill="hold">
+                            <p:stCondLst>
+                              <p:cond delay="0"/>
+                            </p:stCondLst>
+                            <p:childTnLst>
+                              <p:par>
+                                <p:cTn id="44" presetID="2" presetClass="entr" presetSubtype="2" fill="hold" nodeType="clickEffect">
+                                  <p:stCondLst>
+                                    <p:cond delay="0"/>
+                                  </p:stCondLst>
+                                  <p:childTnLst>
+                                    <p:set>
+                                      <p:cBhvr>
+                                        <p:cTn id="45" dur="1" fill="hold">
+                                          <p:stCondLst>
+                                            <p:cond delay="0"/>
+                                          </p:stCondLst>
+                                        </p:cTn>
+                                        <p:tgtEl>
+                                          <p:spTgt spid="13"/>
+                                        </p:tgtEl>
+                                        <p:attrNameLst>
+                                          <p:attrName>style.visibility</p:attrName>
+                                        </p:attrNameLst>
+                                      </p:cBhvr>
+                                      <p:to>
+                                        <p:strVal val="visible"/>
+                                      </p:to>
+                                    </p:set>
+                                    <p:anim calcmode="lin" valueType="num">
+                                      <p:cBhvr additive="base">
+                                        <p:cTn id="46" dur="500" fill="hold"/>
+                                        <p:tgtEl>
+                                          <p:spTgt spid="13"/>
+                                        </p:tgtEl>
+                                        <p:attrNameLst>
+                                          <p:attrName>ppt_x</p:attrName>
+                                        </p:attrNameLst>
+                                      </p:cBhvr>
+                                      <p:tavLst>
+                                        <p:tav tm="0">
+                                          <p:val>
+                                            <p:strVal val="1+#ppt_w/2"/>
+                                          </p:val>
+                                        </p:tav>
+                                        <p:tav tm="100000">
+                                          <p:val>
+                                            <p:strVal val="#ppt_x"/>
+                                          </p:val>
+                                        </p:tav>
+                                      </p:tavLst>
+                                    </p:anim>
+                                    <p:anim calcmode="lin" valueType="num">
+                                      <p:cBhvr additive="base">
+                                        <p:cTn id="47" dur="500" fill="hold"/>
+                                        <p:tgtEl>
+                                          <p:spTgt spid="13"/>
+                                        </p:tgtEl>
+                                        <p:attrNameLst>
+                                          <p:attrName>ppt_y</p:attrName>
+                                        </p:attrNameLst>
+                                      </p:cBhvr>
+                                      <p:tavLst>
+                                        <p:tav tm="0">
+                                          <p:val>
+                                            <p:strVal val="#ppt_y"/>
+                                          </p:val>
+                                        </p:tav>
+                                        <p:tav tm="100000">
+                                          <p:val>
+                                            <p:strVal val="#ppt_y"/>
+                                          </p:val>
+                                        </p:tav>
+                                      </p:tavLst>
+                                    </p:anim>
+                                  </p:childTnLst>
+                                </p:cTn>
+                              </p:par>
+                            </p:childTnLst>
+                          </p:cTn>
+                        </p:par>
+                      </p:childTnLst>
+                    </p:cTn>
+                  </p:par>
+                  <p:par>
+                    <p:cTn id="48" fill="hold">
+                      <p:stCondLst>
+                        <p:cond delay="indefinite"/>
+                      </p:stCondLst>
+                      <p:childTnLst>
+                        <p:par>
+                          <p:cTn id="49" fill="hold">
+                            <p:stCondLst>
+                              <p:cond delay="0"/>
+                            </p:stCondLst>
+                            <p:childTnLst>
+                              <p:par>
+                                <p:cTn id="50" presetID="2" presetClass="exit" presetSubtype="8" fill="hold" nodeType="clickEffect">
+                                  <p:stCondLst>
+                                    <p:cond delay="0"/>
+                                  </p:stCondLst>
+                                  <p:childTnLst>
+                                    <p:anim calcmode="lin" valueType="num">
+                                      <p:cBhvr additive="base">
+                                        <p:cTn id="51" dur="500"/>
+                                        <p:tgtEl>
+                                          <p:spTgt spid="13"/>
+                                        </p:tgtEl>
+                                        <p:attrNameLst>
+                                          <p:attrName>ppt_x</p:attrName>
+                                        </p:attrNameLst>
+                                      </p:cBhvr>
+                                      <p:tavLst>
+                                        <p:tav tm="0">
+                                          <p:val>
+                                            <p:strVal val="ppt_x"/>
+                                          </p:val>
+                                        </p:tav>
+                                        <p:tav tm="100000">
+                                          <p:val>
+                                            <p:strVal val="0-ppt_w/2"/>
+                                          </p:val>
+                                        </p:tav>
+                                      </p:tavLst>
+                                    </p:anim>
+                                    <p:anim calcmode="lin" valueType="num">
+                                      <p:cBhvr additive="base">
+                                        <p:cTn id="52" dur="500"/>
+                                        <p:tgtEl>
+                                          <p:spTgt spid="13"/>
+                                        </p:tgtEl>
+                                        <p:attrNameLst>
+                                          <p:attrName>ppt_y</p:attrName>
+                                        </p:attrNameLst>
+                                      </p:cBhvr>
+                                      <p:tavLst>
+                                        <p:tav tm="0">
+                                          <p:val>
+                                            <p:strVal val="ppt_y"/>
+                                          </p:val>
+                                        </p:tav>
+                                        <p:tav tm="100000">
+                                          <p:val>
+                                            <p:strVal val="ppt_y"/>
+                                          </p:val>
+                                        </p:tav>
+                                      </p:tavLst>
+                                    </p:anim>
+                                    <p:set>
+                                      <p:cBhvr>
+                                        <p:cTn id="53" dur="1" fill="hold">
+                                          <p:stCondLst>
+                                            <p:cond delay="499"/>
+                                          </p:stCondLst>
+                                        </p:cTn>
+                                        <p:tgtEl>
+                                          <p:spTgt spid="13"/>
+                                        </p:tgtEl>
+                                        <p:attrNameLst>
+                                          <p:attrName>style.visibility</p:attrName>
+                                        </p:attrNameLst>
+                                      </p:cBhvr>
+                                      <p:to>
+                                        <p:strVal val="hidden"/>
+                                      </p:to>
+                                    </p:set>
+                                  </p:childTnLst>
+                                </p:cTn>
+                              </p:par>
+                            </p:childTnLst>
+                          </p:cTn>
+                        </p:par>
+                      </p:childTnLst>
+                    </p:cTn>
+                  </p:par>
+                  <p:par>
+                    <p:cTn id="54" fill="hold">
+                      <p:stCondLst>
+                        <p:cond delay="indefinite"/>
+                      </p:stCondLst>
+                      <p:childTnLst>
+                        <p:par>
+                          <p:cTn id="55" fill="hold">
+                            <p:stCondLst>
+                              <p:cond delay="0"/>
+                            </p:stCondLst>
+                            <p:childTnLst>
+                              <p:par>
+                                <p:cTn id="56" presetID="10" presetClass="entr" presetSubtype="0" fill="hold" grpId="0" nodeType="clickEffect">
+                                  <p:stCondLst>
+                                    <p:cond delay="0"/>
+                                  </p:stCondLst>
+                                  <p:childTnLst>
+                                    <p:set>
+                                      <p:cBhvr>
+                                        <p:cTn id="57" dur="1" fill="hold">
+                                          <p:stCondLst>
+                                            <p:cond delay="0"/>
+                                          </p:stCondLst>
+                                        </p:cTn>
+                                        <p:tgtEl>
+                                          <p:spTgt spid="10"/>
+                                        </p:tgtEl>
+                                        <p:attrNameLst>
+                                          <p:attrName>style.visibility</p:attrName>
+                                        </p:attrNameLst>
+                                      </p:cBhvr>
+                                      <p:to>
+                                        <p:strVal val="visible"/>
+                                      </p:to>
+                                    </p:set>
+                                    <p:animEffect transition="in" filter="fade">
+                                      <p:cBhvr>
+                                        <p:cTn id="58" dur="500"/>
+                                        <p:tgtEl>
+                                          <p:spTgt spid="10"/>
+                                        </p:tgtEl>
+                                      </p:cBhvr>
+                                    </p:animEffect>
+                                  </p:childTnLst>
+                                </p:cTn>
+                              </p:par>
+                            </p:childTnLst>
+                          </p:cTn>
+                        </p:par>
+                      </p:childTnLst>
+                    </p:cTn>
+                  </p:par>
+                  <p:par>
+                    <p:cTn id="59" fill="hold">
+                      <p:stCondLst>
+                        <p:cond delay="indefinite"/>
+                      </p:stCondLst>
+                      <p:childTnLst>
+                        <p:par>
+                          <p:cTn id="60" fill="hold">
+                            <p:stCondLst>
+                              <p:cond delay="0"/>
+                            </p:stCondLst>
+                            <p:childTnLst>
+                              <p:par>
+                                <p:cTn id="61" presetID="42" presetClass="entr" presetSubtype="0" fill="hold" nodeType="clickEffect">
+                                  <p:stCondLst>
+                                    <p:cond delay="0"/>
+                                  </p:stCondLst>
+                                  <p:childTnLst>
+                                    <p:set>
+                                      <p:cBhvr>
+                                        <p:cTn id="62" dur="1" fill="hold">
+                                          <p:stCondLst>
+                                            <p:cond delay="0"/>
+                                          </p:stCondLst>
+                                        </p:cTn>
+                                        <p:tgtEl>
+                                          <p:spTgt spid="15"/>
+                                        </p:tgtEl>
+                                        <p:attrNameLst>
+                                          <p:attrName>style.visibility</p:attrName>
+                                        </p:attrNameLst>
+                                      </p:cBhvr>
+                                      <p:to>
+                                        <p:strVal val="visible"/>
+                                      </p:to>
+                                    </p:set>
+                                    <p:animEffect transition="in" filter="fade">
+                                      <p:cBhvr>
+                                        <p:cTn id="63" dur="500"/>
+                                        <p:tgtEl>
+                                          <p:spTgt spid="15"/>
+                                        </p:tgtEl>
+                                      </p:cBhvr>
+                                    </p:animEffect>
+                                    <p:anim calcmode="lin" valueType="num">
+                                      <p:cBhvr>
+                                        <p:cTn id="64" dur="500" fill="hold"/>
+                                        <p:tgtEl>
+                                          <p:spTgt spid="15"/>
+                                        </p:tgtEl>
+                                        <p:attrNameLst>
+                                          <p:attrName>ppt_x</p:attrName>
+                                        </p:attrNameLst>
+                                      </p:cBhvr>
+                                      <p:tavLst>
+                                        <p:tav tm="0">
+                                          <p:val>
+                                            <p:strVal val="#ppt_x"/>
+                                          </p:val>
+                                        </p:tav>
+                                        <p:tav tm="100000">
+                                          <p:val>
+                                            <p:strVal val="#ppt_x"/>
+                                          </p:val>
+                                        </p:tav>
+                                      </p:tavLst>
+                                    </p:anim>
+                                    <p:anim calcmode="lin" valueType="num">
+                                      <p:cBhvr>
+                                        <p:cTn id="65" dur="500" fill="hold"/>
+                                        <p:tgtEl>
+                                          <p:spTgt spid="15"/>
+                                        </p:tgtEl>
+                                        <p:attrNameLst>
+                                          <p:attrName>ppt_y</p:attrName>
+                                        </p:attrNameLst>
+                                      </p:cBhvr>
+                                      <p:tavLst>
+                                        <p:tav tm="0">
+                                          <p:val>
+                                            <p:strVal val="#ppt_y+.1"/>
+                                          </p:val>
+                                        </p:tav>
+                                        <p:tav tm="100000">
+                                          <p:val>
+                                            <p:strVal val="#ppt_y"/>
+                                          </p:val>
+                                        </p:tav>
+                                      </p:tavLst>
+                                    </p:anim>
+                                  </p:childTnLst>
+                                </p:cTn>
+                              </p:par>
+                            </p:childTnLst>
+                          </p:cTn>
+                        </p:par>
+                      </p:childTnLst>
+                    </p:cTn>
+                  </p:par>
+                </p:childTnLst>
+              </p:cTn>
+              <p:prevCondLst>
+                <p:cond evt="onPrev" delay="0">
+                  <p:tgtEl>
+                    <p:sldTgt/>
+                  </p:tgtEl>
+                </p:cond>
+              </p:prevCondLst>
+              <p:nextCondLst>
+                <p:cond evt="onNext" delay="0">
+                  <p:tgtEl>
+                    <p:sldTgt/>
+                  </p:tgtEl>
+                </p:cond>
+              </p:nextCondLst>
+            </p:seq>
+          </p:childTnLst>
+        </p:cTn>
+      </p:par>
+    </p:tnLst>
+    <p:bldLst>
+      <p:bldP spid="8" grpId="0"/>
+      <p:bldP spid="9" grpId="0"/>
+      <p:bldP spid="10" grpId="0"/>
+      <p:bldP spid="14" grpId="0"/>
+    </p:bldLst>
+  </p:timing>
+</p:sld>
+</file>
+
+<file path=ppt/slides/slide23.xml><?xml version="1.0" encoding="utf-8"?>
+<p:sld xmlns:a="http://schemas.openxmlformats.org/drawingml/2006/main" xmlns:r="http://schemas.openxmlformats.org/officeDocument/2006/relationships" xmlns:p="http://schemas.openxmlformats.org/presentationml/2006/main">
+  <p:cSld>
+    <p:spTree>
+      <p:nvGrpSpPr>
+        <p:cNvPr id="1" name=""/>
+        <p:cNvGrpSpPr/>
+        <p:nvPr/>
+      </p:nvGrpSpPr>
+      <p:grpSpPr>
+        <a:xfrm>
+          <a:off x="0" y="0"/>
+          <a:ext cx="0" cy="0"/>
+          <a:chOff x="0" y="0"/>
+          <a:chExt cx="0" cy="0"/>
+        </a:xfrm>
+      </p:grpSpPr>
+      <p:pic>
+        <p:nvPicPr>
+          <p:cNvPr id="5" name="图片 4">
+            <a:extLst>
+              <a:ext uri="{FF2B5EF4-FFF2-40B4-BE49-F238E27FC236}">
+                <a16:creationId xmlns:a16="http://schemas.microsoft.com/office/drawing/2014/main" id="{FFBC54D9-EE7D-4F07-8427-DCC6BB637B01}"/>
+              </a:ext>
+            </a:extLst>
+          </p:cNvPr>
+          <p:cNvPicPr>
+            <a:picLocks noChangeAspect="1"/>
+          </p:cNvPicPr>
+          <p:nvPr/>
+        </p:nvPicPr>
+        <p:blipFill rotWithShape="1">
+          <a:blip r:embed="rId2">
+            <a:extLst>
+              <a:ext uri="{28A0092B-C50C-407E-A947-70E740481C1C}">
+                <a14:useLocalDpi xmlns:a14="http://schemas.microsoft.com/office/drawing/2010/main" val="0"/>
+              </a:ext>
+            </a:extLst>
+          </a:blip>
+          <a:srcRect l="1084" r="26027"/>
+          <a:stretch/>
+        </p:blipFill>
+        <p:spPr>
+          <a:xfrm>
+            <a:off x="20" y="10"/>
+            <a:ext cx="12191980" cy="6857990"/>
+          </a:xfrm>
+          <a:prstGeom prst="rect">
+            <a:avLst/>
+          </a:prstGeom>
+        </p:spPr>
+      </p:pic>
+      <p:sp>
+        <p:nvSpPr>
+          <p:cNvPr id="4" name="文本框 3">
+            <a:extLst>
+              <a:ext uri="{FF2B5EF4-FFF2-40B4-BE49-F238E27FC236}">
+                <a16:creationId xmlns:a16="http://schemas.microsoft.com/office/drawing/2014/main" id="{15DD3049-81B2-4619-BB69-89E9B4FEAC25}"/>
+              </a:ext>
+            </a:extLst>
+          </p:cNvPr>
+          <p:cNvSpPr txBox="1"/>
+          <p:nvPr/>
+        </p:nvSpPr>
+        <p:spPr>
+          <a:xfrm>
+            <a:off x="1215614" y="1194099"/>
+            <a:ext cx="2698175" cy="523220"/>
+          </a:xfrm>
+          <a:prstGeom prst="rect">
+            <a:avLst/>
+          </a:prstGeom>
+          <a:noFill/>
+        </p:spPr>
+        <p:txBody>
+          <a:bodyPr wrap="none" rtlCol="0">
+            <a:spAutoFit/>
+          </a:bodyPr>
+          <a:lstStyle/>
+          <a:p>
+            <a:r>
+              <a:rPr lang="zh-CN" altLang="en-US" sz="2800" dirty="0">
+                <a:solidFill>
+                  <a:schemeClr val="bg1"/>
+                </a:solidFill>
+              </a:rPr>
+              <a:t>关于解决方案：</a:t>
+            </a:r>
+          </a:p>
+        </p:txBody>
+      </p:sp>
+      <p:sp>
+        <p:nvSpPr>
+          <p:cNvPr id="6" name="文本框 5">
+            <a:extLst>
+              <a:ext uri="{FF2B5EF4-FFF2-40B4-BE49-F238E27FC236}">
+                <a16:creationId xmlns:a16="http://schemas.microsoft.com/office/drawing/2014/main" id="{D9500361-CE63-4FA2-896C-F93936CD7B89}"/>
+              </a:ext>
+            </a:extLst>
+          </p:cNvPr>
+          <p:cNvSpPr txBox="1"/>
+          <p:nvPr/>
+        </p:nvSpPr>
+        <p:spPr>
+          <a:xfrm>
+            <a:off x="2818504" y="2462474"/>
+            <a:ext cx="6288901" cy="523220"/>
+          </a:xfrm>
+          <a:prstGeom prst="rect">
+            <a:avLst/>
+          </a:prstGeom>
+          <a:noFill/>
+        </p:spPr>
+        <p:txBody>
+          <a:bodyPr wrap="none" rtlCol="0">
+            <a:spAutoFit/>
+          </a:bodyPr>
+          <a:lstStyle/>
+          <a:p>
+            <a:r>
+              <a:rPr lang="zh-CN" altLang="en-US" sz="2800" dirty="0">
+                <a:solidFill>
+                  <a:schemeClr val="bg1"/>
+                </a:solidFill>
+              </a:rPr>
+              <a:t>一般默认解决方案与第一个项目名同名</a:t>
+            </a:r>
+          </a:p>
+        </p:txBody>
+      </p:sp>
+      <p:sp>
+        <p:nvSpPr>
+          <p:cNvPr id="7" name="文本框 6">
+            <a:extLst>
+              <a:ext uri="{FF2B5EF4-FFF2-40B4-BE49-F238E27FC236}">
+                <a16:creationId xmlns:a16="http://schemas.microsoft.com/office/drawing/2014/main" id="{72760E9B-D406-45EC-98F1-037F08B6CF35}"/>
+              </a:ext>
+            </a:extLst>
+          </p:cNvPr>
+          <p:cNvSpPr txBox="1"/>
+          <p:nvPr/>
+        </p:nvSpPr>
+        <p:spPr>
+          <a:xfrm>
+            <a:off x="2818504" y="3367143"/>
+            <a:ext cx="5570756" cy="954107"/>
+          </a:xfrm>
+          <a:prstGeom prst="rect">
+            <a:avLst/>
+          </a:prstGeom>
+          <a:noFill/>
+        </p:spPr>
+        <p:txBody>
+          <a:bodyPr wrap="none" rtlCol="0">
+            <a:spAutoFit/>
+          </a:bodyPr>
+          <a:lstStyle/>
+          <a:p>
+            <a:r>
+              <a:rPr lang="zh-CN" altLang="en-US" sz="2800" dirty="0">
+                <a:solidFill>
+                  <a:schemeClr val="bg1"/>
+                </a:solidFill>
+              </a:rPr>
+              <a:t>一个解决方案下可以有多个项目，</a:t>
+            </a:r>
+            <a:endParaRPr lang="en-US" altLang="zh-CN" sz="2800" dirty="0">
+              <a:solidFill>
+                <a:schemeClr val="bg1"/>
+              </a:solidFill>
+            </a:endParaRPr>
+          </a:p>
+          <a:p>
+            <a:r>
+              <a:rPr lang="zh-CN" altLang="en-US" sz="2800" dirty="0">
+                <a:solidFill>
+                  <a:schemeClr val="bg1"/>
+                </a:solidFill>
+              </a:rPr>
+              <a:t>如我们所用的</a:t>
+            </a:r>
+            <a:r>
+              <a:rPr lang="en-US" altLang="zh-CN" sz="2800" dirty="0" err="1">
+                <a:solidFill>
+                  <a:schemeClr val="bg1"/>
+                </a:solidFill>
+              </a:rPr>
+              <a:t>SeniorCourse</a:t>
+            </a:r>
+            <a:endParaRPr lang="zh-CN" altLang="en-US" sz="2800" dirty="0">
+              <a:solidFill>
+                <a:schemeClr val="bg1"/>
+              </a:solidFill>
+            </a:endParaRPr>
+          </a:p>
+        </p:txBody>
+      </p:sp>
+      <p:sp>
+        <p:nvSpPr>
+          <p:cNvPr id="8" name="文本框 7">
+            <a:extLst>
+              <a:ext uri="{FF2B5EF4-FFF2-40B4-BE49-F238E27FC236}">
+                <a16:creationId xmlns:a16="http://schemas.microsoft.com/office/drawing/2014/main" id="{B84D3FA3-D50F-4197-BAE1-E7669082548A}"/>
+              </a:ext>
+            </a:extLst>
+          </p:cNvPr>
+          <p:cNvSpPr txBox="1"/>
+          <p:nvPr/>
+        </p:nvSpPr>
+        <p:spPr>
+          <a:xfrm>
+            <a:off x="797113" y="5140681"/>
+            <a:ext cx="10597773" cy="523220"/>
+          </a:xfrm>
+          <a:prstGeom prst="rect">
+            <a:avLst/>
+          </a:prstGeom>
+          <a:noFill/>
+        </p:spPr>
+        <p:txBody>
+          <a:bodyPr wrap="none" rtlCol="0">
+            <a:spAutoFit/>
+          </a:bodyPr>
+          <a:lstStyle/>
+          <a:p>
+            <a:r>
+              <a:rPr lang="zh-CN" altLang="en-US" sz="2800" dirty="0">
+                <a:solidFill>
+                  <a:schemeClr val="bg1"/>
+                </a:solidFill>
+              </a:rPr>
+              <a:t>不过我们学习阶段大多数形况下一个解决方案下一个项目就够用了</a:t>
+            </a:r>
+          </a:p>
+        </p:txBody>
+      </p:sp>
+    </p:spTree>
+    <p:extLst>
+      <p:ext uri="{BB962C8B-B14F-4D97-AF65-F5344CB8AC3E}">
+        <p14:creationId xmlns:p14="http://schemas.microsoft.com/office/powerpoint/2010/main" val="960513937"/>
+      </p:ext>
+    </p:extLst>
+  </p:cSld>
+  <p:clrMapOvr>
+    <a:masterClrMapping/>
+  </p:clrMapOvr>
+  <mc:AlternateContent xmlns:mc="http://schemas.openxmlformats.org/markup-compatibility/2006" xmlns:p14="http://schemas.microsoft.com/office/powerpoint/2010/main">
+    <mc:Choice Requires="p14">
+      <p:transition spd="med" p14:dur="700">
+        <p:fade/>
+      </p:transition>
+    </mc:Choice>
+    <mc:Fallback xmlns="">
+      <p:transition spd="med">
+        <p:fade/>
+      </p:transition>
+    </mc:Fallback>
+  </mc:AlternateContent>
+</p:sld>
+</file>
+
+<file path=ppt/slides/slide24.xml><?xml version="1.0" encoding="utf-8"?>
+<p:sld xmlns:a="http://schemas.openxmlformats.org/drawingml/2006/main" xmlns:r="http://schemas.openxmlformats.org/officeDocument/2006/relationships" xmlns:p="http://schemas.openxmlformats.org/presentationml/2006/main">
+  <p:cSld>
+    <p:spTree>
+      <p:nvGrpSpPr>
+        <p:cNvPr id="1" name=""/>
+        <p:cNvGrpSpPr/>
+        <p:nvPr/>
+      </p:nvGrpSpPr>
+      <p:grpSpPr>
+        <a:xfrm>
+          <a:off x="0" y="0"/>
+          <a:ext cx="0" cy="0"/>
+          <a:chOff x="0" y="0"/>
+          <a:chExt cx="0" cy="0"/>
+        </a:xfrm>
+      </p:grpSpPr>
+      <p:pic>
+        <p:nvPicPr>
+          <p:cNvPr id="5" name="图片 4">
+            <a:extLst>
+              <a:ext uri="{FF2B5EF4-FFF2-40B4-BE49-F238E27FC236}">
+                <a16:creationId xmlns:a16="http://schemas.microsoft.com/office/drawing/2014/main" id="{FFBC54D9-EE7D-4F07-8427-DCC6BB637B01}"/>
+              </a:ext>
+            </a:extLst>
+          </p:cNvPr>
+          <p:cNvPicPr>
+            <a:picLocks noChangeAspect="1"/>
+          </p:cNvPicPr>
+          <p:nvPr/>
+        </p:nvPicPr>
+        <p:blipFill rotWithShape="1">
+          <a:blip r:embed="rId2">
+            <a:extLst>
+              <a:ext uri="{28A0092B-C50C-407E-A947-70E740481C1C}">
+                <a14:useLocalDpi xmlns:a14="http://schemas.microsoft.com/office/drawing/2010/main" val="0"/>
+              </a:ext>
+            </a:extLst>
+          </a:blip>
+          <a:srcRect l="1084" r="26027"/>
+          <a:stretch/>
+        </p:blipFill>
+        <p:spPr>
+          <a:xfrm>
+            <a:off x="20" y="10"/>
+            <a:ext cx="12191980" cy="6857990"/>
+          </a:xfrm>
+          <a:prstGeom prst="rect">
+            <a:avLst/>
+          </a:prstGeom>
+        </p:spPr>
+      </p:pic>
+      <p:sp>
+        <p:nvSpPr>
+          <p:cNvPr id="2" name="文本框 1">
+            <a:extLst>
+              <a:ext uri="{FF2B5EF4-FFF2-40B4-BE49-F238E27FC236}">
+                <a16:creationId xmlns:a16="http://schemas.microsoft.com/office/drawing/2014/main" id="{30F3EF41-0360-4183-96DE-66EA740F5FCD}"/>
+              </a:ext>
+            </a:extLst>
+          </p:cNvPr>
+          <p:cNvSpPr txBox="1"/>
+          <p:nvPr/>
+        </p:nvSpPr>
+        <p:spPr>
+          <a:xfrm>
+            <a:off x="1108038" y="1075764"/>
+            <a:ext cx="3057247" cy="523220"/>
+          </a:xfrm>
+          <a:prstGeom prst="rect">
+            <a:avLst/>
+          </a:prstGeom>
+          <a:noFill/>
+        </p:spPr>
+        <p:txBody>
+          <a:bodyPr wrap="none" rtlCol="0">
+            <a:spAutoFit/>
+          </a:bodyPr>
+          <a:lstStyle/>
+          <a:p>
+            <a:r>
+              <a:rPr lang="zh-CN" altLang="en-US" sz="2800" dirty="0">
+                <a:solidFill>
+                  <a:schemeClr val="bg1"/>
+                </a:solidFill>
+              </a:rPr>
+              <a:t>第二步：代码文件</a:t>
+            </a:r>
+          </a:p>
+        </p:txBody>
+      </p:sp>
+      <p:sp>
+        <p:nvSpPr>
+          <p:cNvPr id="3" name="文本框 2">
+            <a:extLst>
+              <a:ext uri="{FF2B5EF4-FFF2-40B4-BE49-F238E27FC236}">
+                <a16:creationId xmlns:a16="http://schemas.microsoft.com/office/drawing/2014/main" id="{8A9ED34A-807C-4580-81B9-3CC34D4C03C2}"/>
+              </a:ext>
+            </a:extLst>
+          </p:cNvPr>
+          <p:cNvSpPr txBox="1"/>
+          <p:nvPr/>
+        </p:nvSpPr>
+        <p:spPr>
+          <a:xfrm>
+            <a:off x="2053868" y="2528654"/>
+            <a:ext cx="8084264" cy="523220"/>
+          </a:xfrm>
+          <a:prstGeom prst="rect">
+            <a:avLst/>
+          </a:prstGeom>
+          <a:noFill/>
+        </p:spPr>
+        <p:txBody>
+          <a:bodyPr wrap="none" rtlCol="0">
+            <a:spAutoFit/>
+          </a:bodyPr>
+          <a:lstStyle/>
+          <a:p>
+            <a:r>
+              <a:rPr lang="zh-CN" altLang="en-US" sz="2800" dirty="0">
+                <a:solidFill>
+                  <a:schemeClr val="bg1"/>
+                </a:solidFill>
+              </a:rPr>
+              <a:t>右键单击</a:t>
+            </a:r>
+            <a:r>
+              <a:rPr lang="en-US" altLang="zh-CN" sz="2800" dirty="0">
+                <a:solidFill>
+                  <a:schemeClr val="bg1"/>
+                </a:solidFill>
+              </a:rPr>
+              <a:t>”</a:t>
+            </a:r>
+            <a:r>
+              <a:rPr lang="zh-CN" altLang="en-US" sz="2800" dirty="0">
+                <a:solidFill>
+                  <a:schemeClr val="bg1"/>
+                </a:solidFill>
+              </a:rPr>
+              <a:t>解决方案资源管理器</a:t>
+            </a:r>
+            <a:r>
+              <a:rPr lang="en-US" altLang="zh-CN" sz="2800" dirty="0">
+                <a:solidFill>
+                  <a:schemeClr val="bg1"/>
+                </a:solidFill>
+              </a:rPr>
+              <a:t>”</a:t>
+            </a:r>
+            <a:r>
+              <a:rPr lang="zh-CN" altLang="en-US" sz="2800" dirty="0">
+                <a:solidFill>
+                  <a:schemeClr val="bg1"/>
+                </a:solidFill>
+              </a:rPr>
+              <a:t>中的“源文件”</a:t>
+            </a:r>
+          </a:p>
+        </p:txBody>
+      </p:sp>
+      <p:sp>
+        <p:nvSpPr>
+          <p:cNvPr id="9" name="文本框 8">
+            <a:extLst>
+              <a:ext uri="{FF2B5EF4-FFF2-40B4-BE49-F238E27FC236}">
+                <a16:creationId xmlns:a16="http://schemas.microsoft.com/office/drawing/2014/main" id="{7BE55C0D-7160-4618-B305-7228F5A45507}"/>
+              </a:ext>
+            </a:extLst>
+          </p:cNvPr>
+          <p:cNvSpPr txBox="1"/>
+          <p:nvPr/>
+        </p:nvSpPr>
+        <p:spPr>
+          <a:xfrm>
+            <a:off x="2053868" y="3466392"/>
+            <a:ext cx="4634602" cy="523220"/>
+          </a:xfrm>
+          <a:prstGeom prst="rect">
+            <a:avLst/>
+          </a:prstGeom>
+          <a:noFill/>
+        </p:spPr>
+        <p:txBody>
+          <a:bodyPr wrap="none" rtlCol="0">
+            <a:spAutoFit/>
+          </a:bodyPr>
+          <a:lstStyle/>
+          <a:p>
+            <a:r>
+              <a:rPr lang="zh-CN" altLang="en-US" sz="2800" dirty="0">
+                <a:solidFill>
+                  <a:schemeClr val="bg1"/>
+                </a:solidFill>
+              </a:rPr>
+              <a:t>创建“</a:t>
+            </a:r>
+            <a:r>
+              <a:rPr lang="en-US" altLang="zh-CN" sz="2800" dirty="0">
+                <a:solidFill>
+                  <a:schemeClr val="bg1"/>
+                </a:solidFill>
+              </a:rPr>
+              <a:t>main.cpp</a:t>
+            </a:r>
+            <a:r>
+              <a:rPr lang="zh-CN" altLang="en-US" sz="2800" dirty="0">
+                <a:solidFill>
+                  <a:schemeClr val="bg1"/>
+                </a:solidFill>
+              </a:rPr>
+              <a:t>”代码文件</a:t>
+            </a:r>
+          </a:p>
+        </p:txBody>
+      </p:sp>
+      <p:pic>
+        <p:nvPicPr>
+          <p:cNvPr id="6" name="图片 5">
+            <a:extLst>
+              <a:ext uri="{FF2B5EF4-FFF2-40B4-BE49-F238E27FC236}">
+                <a16:creationId xmlns:a16="http://schemas.microsoft.com/office/drawing/2014/main" id="{A79A432D-EF67-4A57-9936-8E02D685C1D5}"/>
+              </a:ext>
+            </a:extLst>
+          </p:cNvPr>
+          <p:cNvPicPr>
+            <a:picLocks noChangeAspect="1"/>
+          </p:cNvPicPr>
+          <p:nvPr/>
+        </p:nvPicPr>
+        <p:blipFill>
+          <a:blip r:embed="rId3"/>
+          <a:stretch>
+            <a:fillRect/>
+          </a:stretch>
+        </p:blipFill>
+        <p:spPr>
+          <a:xfrm>
+            <a:off x="819374" y="616860"/>
+            <a:ext cx="10553252" cy="5624280"/>
+          </a:xfrm>
+          <a:prstGeom prst="rect">
+            <a:avLst/>
+          </a:prstGeom>
+        </p:spPr>
+      </p:pic>
+      <p:pic>
+        <p:nvPicPr>
+          <p:cNvPr id="7" name="图片 6">
+            <a:extLst>
+              <a:ext uri="{FF2B5EF4-FFF2-40B4-BE49-F238E27FC236}">
+                <a16:creationId xmlns:a16="http://schemas.microsoft.com/office/drawing/2014/main" id="{25FB90A8-6E29-47A1-A015-B9A91D02BF51}"/>
+              </a:ext>
+            </a:extLst>
+          </p:cNvPr>
+          <p:cNvPicPr>
+            <a:picLocks noChangeAspect="1"/>
+          </p:cNvPicPr>
+          <p:nvPr/>
+        </p:nvPicPr>
+        <p:blipFill>
+          <a:blip r:embed="rId4"/>
+          <a:stretch>
+            <a:fillRect/>
+          </a:stretch>
+        </p:blipFill>
+        <p:spPr>
+          <a:xfrm>
+            <a:off x="1256493" y="1245619"/>
+            <a:ext cx="9679013" cy="4047144"/>
+          </a:xfrm>
+          <a:prstGeom prst="rect">
+            <a:avLst/>
+          </a:prstGeom>
+        </p:spPr>
+      </p:pic>
+      <p:pic>
+        <p:nvPicPr>
+          <p:cNvPr id="8" name="图片 7">
+            <a:extLst>
+              <a:ext uri="{FF2B5EF4-FFF2-40B4-BE49-F238E27FC236}">
+                <a16:creationId xmlns:a16="http://schemas.microsoft.com/office/drawing/2014/main" id="{6A6189EF-FDF1-444D-A139-F2F863D90EA3}"/>
+              </a:ext>
+            </a:extLst>
+          </p:cNvPr>
+          <p:cNvPicPr>
+            <a:picLocks noChangeAspect="1"/>
+          </p:cNvPicPr>
+          <p:nvPr/>
+        </p:nvPicPr>
+        <p:blipFill>
+          <a:blip r:embed="rId5"/>
+          <a:stretch>
+            <a:fillRect/>
+          </a:stretch>
+        </p:blipFill>
+        <p:spPr>
+          <a:xfrm>
+            <a:off x="1610286" y="324238"/>
+            <a:ext cx="8971428" cy="6209524"/>
+          </a:xfrm>
+          <a:prstGeom prst="rect">
+            <a:avLst/>
+          </a:prstGeom>
+        </p:spPr>
+      </p:pic>
+    </p:spTree>
+    <p:extLst>
+      <p:ext uri="{BB962C8B-B14F-4D97-AF65-F5344CB8AC3E}">
+        <p14:creationId xmlns:p14="http://schemas.microsoft.com/office/powerpoint/2010/main" val="3151992375"/>
+      </p:ext>
+    </p:extLst>
+  </p:cSld>
+  <p:clrMapOvr>
+    <a:masterClrMapping/>
+  </p:clrMapOvr>
+  <mc:AlternateContent xmlns:mc="http://schemas.openxmlformats.org/markup-compatibility/2006" xmlns:p14="http://schemas.microsoft.com/office/powerpoint/2010/main">
+    <mc:Choice Requires="p14">
+      <p:transition spd="med" p14:dur="700">
+        <p:fade/>
+      </p:transition>
+    </mc:Choice>
+    <mc:Fallback xmlns="">
+      <p:transition spd="med">
+        <p:fade/>
+      </p:transition>
+    </mc:Fallback>
+  </mc:AlternateContent>
+  <p:timing>
+    <p:tnLst>
+      <p:par>
+        <p:cTn id="1" dur="indefinite" restart="never" nodeType="tmRoot">
+          <p:childTnLst>
+            <p:seq concurrent="1" nextAc="seek">
+              <p:cTn id="2" dur="indefinite" nodeType="mainSeq">
+                <p:childTnLst>
+                  <p:par>
+                    <p:cTn id="3" fill="hold">
+                      <p:stCondLst>
+                        <p:cond delay="indefinite"/>
+                      </p:stCondLst>
+                      <p:childTnLst>
+                        <p:par>
+                          <p:cTn id="4" fill="hold">
+                            <p:stCondLst>
+                              <p:cond delay="0"/>
+                            </p:stCondLst>
+                            <p:childTnLst>
+                              <p:par>
+                                <p:cTn id="5" presetID="10" presetClass="entr" presetSubtype="0" fill="hold" grpId="0" nodeType="clickEffect">
+                                  <p:stCondLst>
+                                    <p:cond delay="0"/>
+                                  </p:stCondLst>
+                                  <p:childTnLst>
+                                    <p:set>
+                                      <p:cBhvr>
+                                        <p:cTn id="6" dur="1" fill="hold">
+                                          <p:stCondLst>
+                                            <p:cond delay="0"/>
+                                          </p:stCondLst>
+                                        </p:cTn>
+                                        <p:tgtEl>
+                                          <p:spTgt spid="3"/>
+                                        </p:tgtEl>
+                                        <p:attrNameLst>
+                                          <p:attrName>style.visibility</p:attrName>
+                                        </p:attrNameLst>
+                                      </p:cBhvr>
+                                      <p:to>
+                                        <p:strVal val="visible"/>
+                                      </p:to>
+                                    </p:set>
+                                    <p:animEffect transition="in" filter="fade">
+                                      <p:cBhvr>
+                                        <p:cTn id="7" dur="500"/>
+                                        <p:tgtEl>
+                                          <p:spTgt spid="3"/>
+                                        </p:tgtEl>
+                                      </p:cBhvr>
+                                    </p:animEffect>
+                                  </p:childTnLst>
+                                </p:cTn>
+                              </p:par>
+                            </p:childTnLst>
+                          </p:cTn>
+                        </p:par>
+                      </p:childTnLst>
+                    </p:cTn>
+                  </p:par>
+                  <p:par>
+                    <p:cTn id="8" fill="hold">
+                      <p:stCondLst>
+                        <p:cond delay="indefinite"/>
+                      </p:stCondLst>
+                      <p:childTnLst>
+                        <p:par>
+                          <p:cTn id="9" fill="hold">
+                            <p:stCondLst>
+                              <p:cond delay="0"/>
+                            </p:stCondLst>
+                            <p:childTnLst>
+                              <p:par>
+                                <p:cTn id="10" presetID="2" presetClass="entr" presetSubtype="2" fill="hold" nodeType="clickEffect">
+                                  <p:stCondLst>
+                                    <p:cond delay="0"/>
+                                  </p:stCondLst>
+                                  <p:childTnLst>
+                                    <p:set>
+                                      <p:cBhvr>
+                                        <p:cTn id="11" dur="1" fill="hold">
+                                          <p:stCondLst>
+                                            <p:cond delay="0"/>
+                                          </p:stCondLst>
+                                        </p:cTn>
+                                        <p:tgtEl>
+                                          <p:spTgt spid="6"/>
+                                        </p:tgtEl>
+                                        <p:attrNameLst>
+                                          <p:attrName>style.visibility</p:attrName>
+                                        </p:attrNameLst>
+                                      </p:cBhvr>
+                                      <p:to>
+                                        <p:strVal val="visible"/>
+                                      </p:to>
+                                    </p:set>
+                                    <p:anim calcmode="lin" valueType="num">
+                                      <p:cBhvr additive="base">
+                                        <p:cTn id="12" dur="500" fill="hold"/>
+                                        <p:tgtEl>
+                                          <p:spTgt spid="6"/>
+                                        </p:tgtEl>
+                                        <p:attrNameLst>
+                                          <p:attrName>ppt_x</p:attrName>
+                                        </p:attrNameLst>
+                                      </p:cBhvr>
+                                      <p:tavLst>
+                                        <p:tav tm="0">
+                                          <p:val>
+                                            <p:strVal val="1+#ppt_w/2"/>
+                                          </p:val>
+                                        </p:tav>
+                                        <p:tav tm="100000">
+                                          <p:val>
+                                            <p:strVal val="#ppt_x"/>
+                                          </p:val>
+                                        </p:tav>
+                                      </p:tavLst>
+                                    </p:anim>
+                                    <p:anim calcmode="lin" valueType="num">
+                                      <p:cBhvr additive="base">
+                                        <p:cTn id="13" dur="500" fill="hold"/>
+                                        <p:tgtEl>
+                                          <p:spTgt spid="6"/>
+                                        </p:tgtEl>
+                                        <p:attrNameLst>
+                                          <p:attrName>ppt_y</p:attrName>
+                                        </p:attrNameLst>
+                                      </p:cBhvr>
+                                      <p:tavLst>
+                                        <p:tav tm="0">
+                                          <p:val>
+                                            <p:strVal val="#ppt_y"/>
+                                          </p:val>
+                                        </p:tav>
+                                        <p:tav tm="100000">
+                                          <p:val>
+                                            <p:strVal val="#ppt_y"/>
+                                          </p:val>
+                                        </p:tav>
+                                      </p:tavLst>
+                                    </p:anim>
+                                  </p:childTnLst>
+                                </p:cTn>
+                              </p:par>
+                            </p:childTnLst>
+                          </p:cTn>
+                        </p:par>
+                      </p:childTnLst>
+                    </p:cTn>
+                  </p:par>
+                  <p:par>
+                    <p:cTn id="14" fill="hold">
+                      <p:stCondLst>
+                        <p:cond delay="indefinite"/>
+                      </p:stCondLst>
+                      <p:childTnLst>
+                        <p:par>
+                          <p:cTn id="15" fill="hold">
+                            <p:stCondLst>
+                              <p:cond delay="0"/>
+                            </p:stCondLst>
+                            <p:childTnLst>
+                              <p:par>
+                                <p:cTn id="16" presetID="2" presetClass="exit" presetSubtype="8" fill="hold" nodeType="clickEffect">
+                                  <p:stCondLst>
+                                    <p:cond delay="0"/>
+                                  </p:stCondLst>
+                                  <p:childTnLst>
+                                    <p:anim calcmode="lin" valueType="num">
+                                      <p:cBhvr additive="base">
+                                        <p:cTn id="17" dur="500"/>
+                                        <p:tgtEl>
+                                          <p:spTgt spid="6"/>
+                                        </p:tgtEl>
+                                        <p:attrNameLst>
+                                          <p:attrName>ppt_x</p:attrName>
+                                        </p:attrNameLst>
+                                      </p:cBhvr>
+                                      <p:tavLst>
+                                        <p:tav tm="0">
+                                          <p:val>
+                                            <p:strVal val="ppt_x"/>
+                                          </p:val>
+                                        </p:tav>
+                                        <p:tav tm="100000">
+                                          <p:val>
+                                            <p:strVal val="0-ppt_w/2"/>
+                                          </p:val>
+                                        </p:tav>
+                                      </p:tavLst>
+                                    </p:anim>
+                                    <p:anim calcmode="lin" valueType="num">
+                                      <p:cBhvr additive="base">
+                                        <p:cTn id="18" dur="500"/>
+                                        <p:tgtEl>
+                                          <p:spTgt spid="6"/>
+                                        </p:tgtEl>
+                                        <p:attrNameLst>
+                                          <p:attrName>ppt_y</p:attrName>
+                                        </p:attrNameLst>
+                                      </p:cBhvr>
+                                      <p:tavLst>
+                                        <p:tav tm="0">
+                                          <p:val>
+                                            <p:strVal val="ppt_y"/>
+                                          </p:val>
+                                        </p:tav>
+                                        <p:tav tm="100000">
+                                          <p:val>
+                                            <p:strVal val="ppt_y"/>
+                                          </p:val>
+                                        </p:tav>
+                                      </p:tavLst>
+                                    </p:anim>
+                                    <p:set>
+                                      <p:cBhvr>
+                                        <p:cTn id="19" dur="1" fill="hold">
+                                          <p:stCondLst>
+                                            <p:cond delay="499"/>
+                                          </p:stCondLst>
+                                        </p:cTn>
+                                        <p:tgtEl>
+                                          <p:spTgt spid="6"/>
+                                        </p:tgtEl>
+                                        <p:attrNameLst>
+                                          <p:attrName>style.visibility</p:attrName>
+                                        </p:attrNameLst>
+                                      </p:cBhvr>
+                                      <p:to>
+                                        <p:strVal val="hidden"/>
+                                      </p:to>
+                                    </p:set>
+                                  </p:childTnLst>
+                                </p:cTn>
+                              </p:par>
+                            </p:childTnLst>
+                          </p:cTn>
+                        </p:par>
+                      </p:childTnLst>
+                    </p:cTn>
+                  </p:par>
+                  <p:par>
+                    <p:cTn id="20" fill="hold">
+                      <p:stCondLst>
+                        <p:cond delay="indefinite"/>
+                      </p:stCondLst>
+                      <p:childTnLst>
+                        <p:par>
+                          <p:cTn id="21" fill="hold">
+                            <p:stCondLst>
+                              <p:cond delay="0"/>
+                            </p:stCondLst>
+                            <p:childTnLst>
+                              <p:par>
+                                <p:cTn id="22" presetID="10" presetClass="entr" presetSubtype="0" fill="hold" grpId="0" nodeType="clickEffect">
+                                  <p:stCondLst>
+                                    <p:cond delay="0"/>
+                                  </p:stCondLst>
+                                  <p:childTnLst>
+                                    <p:set>
+                                      <p:cBhvr>
+                                        <p:cTn id="23" dur="1" fill="hold">
+                                          <p:stCondLst>
+                                            <p:cond delay="0"/>
+                                          </p:stCondLst>
+                                        </p:cTn>
+                                        <p:tgtEl>
+                                          <p:spTgt spid="9"/>
+                                        </p:tgtEl>
+                                        <p:attrNameLst>
+                                          <p:attrName>style.visibility</p:attrName>
+                                        </p:attrNameLst>
+                                      </p:cBhvr>
+                                      <p:to>
+                                        <p:strVal val="visible"/>
+                                      </p:to>
+                                    </p:set>
+                                    <p:animEffect transition="in" filter="fade">
+                                      <p:cBhvr>
+                                        <p:cTn id="24" dur="500"/>
+                                        <p:tgtEl>
+                                          <p:spTgt spid="9"/>
+                                        </p:tgtEl>
+                                      </p:cBhvr>
+                                    </p:animEffect>
+                                  </p:childTnLst>
+                                </p:cTn>
+                              </p:par>
+                            </p:childTnLst>
+                          </p:cTn>
+                        </p:par>
+                      </p:childTnLst>
+                    </p:cTn>
+                  </p:par>
+                  <p:par>
+                    <p:cTn id="25" fill="hold">
+                      <p:stCondLst>
+                        <p:cond delay="indefinite"/>
+                      </p:stCondLst>
+                      <p:childTnLst>
+                        <p:par>
+                          <p:cTn id="26" fill="hold">
+                            <p:stCondLst>
+                              <p:cond delay="0"/>
+                            </p:stCondLst>
+                            <p:childTnLst>
+                              <p:par>
+                                <p:cTn id="27" presetID="2" presetClass="entr" presetSubtype="2" fill="hold" nodeType="clickEffect">
+                                  <p:stCondLst>
+                                    <p:cond delay="0"/>
+                                  </p:stCondLst>
+                                  <p:childTnLst>
+                                    <p:set>
+                                      <p:cBhvr>
+                                        <p:cTn id="28" dur="1" fill="hold">
+                                          <p:stCondLst>
+                                            <p:cond delay="0"/>
+                                          </p:stCondLst>
+                                        </p:cTn>
+                                        <p:tgtEl>
+                                          <p:spTgt spid="7"/>
+                                        </p:tgtEl>
+                                        <p:attrNameLst>
+                                          <p:attrName>style.visibility</p:attrName>
+                                        </p:attrNameLst>
+                                      </p:cBhvr>
+                                      <p:to>
+                                        <p:strVal val="visible"/>
+                                      </p:to>
+                                    </p:set>
+                                    <p:anim calcmode="lin" valueType="num">
+                                      <p:cBhvr additive="base">
+                                        <p:cTn id="29" dur="500" fill="hold"/>
+                                        <p:tgtEl>
+                                          <p:spTgt spid="7"/>
+                                        </p:tgtEl>
+                                        <p:attrNameLst>
+                                          <p:attrName>ppt_x</p:attrName>
+                                        </p:attrNameLst>
+                                      </p:cBhvr>
+                                      <p:tavLst>
+                                        <p:tav tm="0">
+                                          <p:val>
+                                            <p:strVal val="1+#ppt_w/2"/>
+                                          </p:val>
+                                        </p:tav>
+                                        <p:tav tm="100000">
+                                          <p:val>
+                                            <p:strVal val="#ppt_x"/>
+                                          </p:val>
+                                        </p:tav>
+                                      </p:tavLst>
+                                    </p:anim>
+                                    <p:anim calcmode="lin" valueType="num">
+                                      <p:cBhvr additive="base">
+                                        <p:cTn id="30" dur="500" fill="hold"/>
+                                        <p:tgtEl>
+                                          <p:spTgt spid="7"/>
+                                        </p:tgtEl>
+                                        <p:attrNameLst>
+                                          <p:attrName>ppt_y</p:attrName>
+                                        </p:attrNameLst>
+                                      </p:cBhvr>
+                                      <p:tavLst>
+                                        <p:tav tm="0">
+                                          <p:val>
+                                            <p:strVal val="#ppt_y"/>
+                                          </p:val>
+                                        </p:tav>
+                                        <p:tav tm="100000">
+                                          <p:val>
+                                            <p:strVal val="#ppt_y"/>
+                                          </p:val>
+                                        </p:tav>
+                                      </p:tavLst>
+                                    </p:anim>
+                                  </p:childTnLst>
+                                </p:cTn>
+                              </p:par>
+                            </p:childTnLst>
+                          </p:cTn>
+                        </p:par>
+                      </p:childTnLst>
+                    </p:cTn>
+                  </p:par>
+                  <p:par>
+                    <p:cTn id="31" fill="hold">
+                      <p:stCondLst>
+                        <p:cond delay="indefinite"/>
+                      </p:stCondLst>
+                      <p:childTnLst>
+                        <p:par>
+                          <p:cTn id="32" fill="hold">
+                            <p:stCondLst>
+                              <p:cond delay="0"/>
+                            </p:stCondLst>
+                            <p:childTnLst>
+                              <p:par>
+                                <p:cTn id="33" presetID="2" presetClass="exit" presetSubtype="8" fill="hold" nodeType="clickEffect">
+                                  <p:stCondLst>
+                                    <p:cond delay="0"/>
+                                  </p:stCondLst>
+                                  <p:childTnLst>
+                                    <p:anim calcmode="lin" valueType="num">
+                                      <p:cBhvr additive="base">
+                                        <p:cTn id="34" dur="500"/>
+                                        <p:tgtEl>
+                                          <p:spTgt spid="7"/>
+                                        </p:tgtEl>
+                                        <p:attrNameLst>
+                                          <p:attrName>ppt_x</p:attrName>
+                                        </p:attrNameLst>
+                                      </p:cBhvr>
+                                      <p:tavLst>
+                                        <p:tav tm="0">
+                                          <p:val>
+                                            <p:strVal val="ppt_x"/>
+                                          </p:val>
+                                        </p:tav>
+                                        <p:tav tm="100000">
+                                          <p:val>
+                                            <p:strVal val="0-ppt_w/2"/>
+                                          </p:val>
+                                        </p:tav>
+                                      </p:tavLst>
+                                    </p:anim>
+                                    <p:anim calcmode="lin" valueType="num">
+                                      <p:cBhvr additive="base">
+                                        <p:cTn id="35" dur="500"/>
+                                        <p:tgtEl>
+                                          <p:spTgt spid="7"/>
+                                        </p:tgtEl>
+                                        <p:attrNameLst>
+                                          <p:attrName>ppt_y</p:attrName>
+                                        </p:attrNameLst>
+                                      </p:cBhvr>
+                                      <p:tavLst>
+                                        <p:tav tm="0">
+                                          <p:val>
+                                            <p:strVal val="ppt_y"/>
+                                          </p:val>
+                                        </p:tav>
+                                        <p:tav tm="100000">
+                                          <p:val>
+                                            <p:strVal val="ppt_y"/>
+                                          </p:val>
+                                        </p:tav>
+                                      </p:tavLst>
+                                    </p:anim>
+                                    <p:set>
+                                      <p:cBhvr>
+                                        <p:cTn id="36" dur="1" fill="hold">
+                                          <p:stCondLst>
+                                            <p:cond delay="499"/>
+                                          </p:stCondLst>
+                                        </p:cTn>
+                                        <p:tgtEl>
+                                          <p:spTgt spid="7"/>
+                                        </p:tgtEl>
+                                        <p:attrNameLst>
+                                          <p:attrName>style.visibility</p:attrName>
+                                        </p:attrNameLst>
+                                      </p:cBhvr>
+                                      <p:to>
+                                        <p:strVal val="hidden"/>
+                                      </p:to>
+                                    </p:set>
+                                  </p:childTnLst>
+                                </p:cTn>
+                              </p:par>
+                              <p:par>
+                                <p:cTn id="37" presetID="2" presetClass="entr" presetSubtype="2" fill="hold" nodeType="withEffect">
+                                  <p:stCondLst>
+                                    <p:cond delay="0"/>
+                                  </p:stCondLst>
+                                  <p:childTnLst>
+                                    <p:set>
+                                      <p:cBhvr>
+                                        <p:cTn id="38" dur="1" fill="hold">
+                                          <p:stCondLst>
+                                            <p:cond delay="0"/>
+                                          </p:stCondLst>
+                                        </p:cTn>
+                                        <p:tgtEl>
+                                          <p:spTgt spid="8"/>
+                                        </p:tgtEl>
+                                        <p:attrNameLst>
+                                          <p:attrName>style.visibility</p:attrName>
+                                        </p:attrNameLst>
+                                      </p:cBhvr>
+                                      <p:to>
+                                        <p:strVal val="visible"/>
+                                      </p:to>
+                                    </p:set>
+                                    <p:anim calcmode="lin" valueType="num">
+                                      <p:cBhvr additive="base">
+                                        <p:cTn id="39" dur="500" fill="hold"/>
+                                        <p:tgtEl>
+                                          <p:spTgt spid="8"/>
+                                        </p:tgtEl>
+                                        <p:attrNameLst>
+                                          <p:attrName>ppt_x</p:attrName>
+                                        </p:attrNameLst>
+                                      </p:cBhvr>
+                                      <p:tavLst>
+                                        <p:tav tm="0">
+                                          <p:val>
+                                            <p:strVal val="1+#ppt_w/2"/>
+                                          </p:val>
+                                        </p:tav>
+                                        <p:tav tm="100000">
+                                          <p:val>
+                                            <p:strVal val="#ppt_x"/>
+                                          </p:val>
+                                        </p:tav>
+                                      </p:tavLst>
+                                    </p:anim>
+                                    <p:anim calcmode="lin" valueType="num">
+                                      <p:cBhvr additive="base">
+                                        <p:cTn id="40" dur="500" fill="hold"/>
+                                        <p:tgtEl>
+                                          <p:spTgt spid="8"/>
+                                        </p:tgtEl>
+                                        <p:attrNameLst>
+                                          <p:attrName>ppt_y</p:attrName>
+                                        </p:attrNameLst>
+                                      </p:cBhvr>
+                                      <p:tavLst>
+                                        <p:tav tm="0">
+                                          <p:val>
+                                            <p:strVal val="#ppt_y"/>
+                                          </p:val>
+                                        </p:tav>
+                                        <p:tav tm="100000">
+                                          <p:val>
+                                            <p:strVal val="#ppt_y"/>
+                                          </p:val>
+                                        </p:tav>
+                                      </p:tavLst>
+                                    </p:anim>
+                                  </p:childTnLst>
+                                </p:cTn>
+                              </p:par>
+                            </p:childTnLst>
+                          </p:cTn>
+                        </p:par>
+                      </p:childTnLst>
+                    </p:cTn>
+                  </p:par>
+                  <p:par>
+                    <p:cTn id="41" fill="hold">
+                      <p:stCondLst>
+                        <p:cond delay="indefinite"/>
+                      </p:stCondLst>
+                      <p:childTnLst>
+                        <p:par>
+                          <p:cTn id="42" fill="hold">
+                            <p:stCondLst>
+                              <p:cond delay="0"/>
+                            </p:stCondLst>
+                            <p:childTnLst>
+                              <p:par>
+                                <p:cTn id="43" presetID="2" presetClass="exit" presetSubtype="8" fill="hold" nodeType="clickEffect">
+                                  <p:stCondLst>
+                                    <p:cond delay="0"/>
+                                  </p:stCondLst>
+                                  <p:childTnLst>
+                                    <p:anim calcmode="lin" valueType="num">
+                                      <p:cBhvr additive="base">
+                                        <p:cTn id="44" dur="500"/>
+                                        <p:tgtEl>
+                                          <p:spTgt spid="8"/>
+                                        </p:tgtEl>
+                                        <p:attrNameLst>
+                                          <p:attrName>ppt_x</p:attrName>
+                                        </p:attrNameLst>
+                                      </p:cBhvr>
+                                      <p:tavLst>
+                                        <p:tav tm="0">
+                                          <p:val>
+                                            <p:strVal val="ppt_x"/>
+                                          </p:val>
+                                        </p:tav>
+                                        <p:tav tm="100000">
+                                          <p:val>
+                                            <p:strVal val="0-ppt_w/2"/>
+                                          </p:val>
+                                        </p:tav>
+                                      </p:tavLst>
+                                    </p:anim>
+                                    <p:anim calcmode="lin" valueType="num">
+                                      <p:cBhvr additive="base">
+                                        <p:cTn id="45" dur="500"/>
+                                        <p:tgtEl>
+                                          <p:spTgt spid="8"/>
+                                        </p:tgtEl>
+                                        <p:attrNameLst>
+                                          <p:attrName>ppt_y</p:attrName>
+                                        </p:attrNameLst>
+                                      </p:cBhvr>
+                                      <p:tavLst>
+                                        <p:tav tm="0">
+                                          <p:val>
+                                            <p:strVal val="ppt_y"/>
+                                          </p:val>
+                                        </p:tav>
+                                        <p:tav tm="100000">
+                                          <p:val>
+                                            <p:strVal val="ppt_y"/>
+                                          </p:val>
+                                        </p:tav>
+                                      </p:tavLst>
+                                    </p:anim>
+                                    <p:set>
+                                      <p:cBhvr>
+                                        <p:cTn id="46" dur="1" fill="hold">
+                                          <p:stCondLst>
+                                            <p:cond delay="499"/>
+                                          </p:stCondLst>
+                                        </p:cTn>
+                                        <p:tgtEl>
+                                          <p:spTgt spid="8"/>
+                                        </p:tgtEl>
+                                        <p:attrNameLst>
+                                          <p:attrName>style.visibility</p:attrName>
+                                        </p:attrNameLst>
+                                      </p:cBhvr>
+                                      <p:to>
+                                        <p:strVal val="hidden"/>
+                                      </p:to>
+                                    </p:set>
+                                  </p:childTnLst>
+                                </p:cTn>
+                              </p:par>
+                            </p:childTnLst>
+                          </p:cTn>
+                        </p:par>
+                      </p:childTnLst>
+                    </p:cTn>
+                  </p:par>
+                </p:childTnLst>
+              </p:cTn>
+              <p:prevCondLst>
+                <p:cond evt="onPrev" delay="0">
+                  <p:tgtEl>
+                    <p:sldTgt/>
+                  </p:tgtEl>
+                </p:cond>
+              </p:prevCondLst>
+              <p:nextCondLst>
+                <p:cond evt="onNext" delay="0">
+                  <p:tgtEl>
+                    <p:sldTgt/>
+                  </p:tgtEl>
+                </p:cond>
+              </p:nextCondLst>
+            </p:seq>
+          </p:childTnLst>
+        </p:cTn>
+      </p:par>
+    </p:tnLst>
+    <p:bldLst>
+      <p:bldP spid="3" grpId="0"/>
+      <p:bldP spid="9" grpId="0"/>
+    </p:bldLst>
+  </p:timing>
+</p:sld>
+</file>
+
+<file path=ppt/slides/slide25.xml><?xml version="1.0" encoding="utf-8"?>
+<p:sld xmlns:a="http://schemas.openxmlformats.org/drawingml/2006/main" xmlns:r="http://schemas.openxmlformats.org/officeDocument/2006/relationships" xmlns:p="http://schemas.openxmlformats.org/presentationml/2006/main">
+  <p:cSld>
+    <p:spTree>
+      <p:nvGrpSpPr>
+        <p:cNvPr id="1" name=""/>
+        <p:cNvGrpSpPr/>
+        <p:nvPr/>
+      </p:nvGrpSpPr>
+      <p:grpSpPr>
+        <a:xfrm>
+          <a:off x="0" y="0"/>
+          <a:ext cx="0" cy="0"/>
+          <a:chOff x="0" y="0"/>
+          <a:chExt cx="0" cy="0"/>
+        </a:xfrm>
+      </p:grpSpPr>
+      <p:pic>
+        <p:nvPicPr>
+          <p:cNvPr id="5" name="图片 4">
+            <a:extLst>
+              <a:ext uri="{FF2B5EF4-FFF2-40B4-BE49-F238E27FC236}">
+                <a16:creationId xmlns:a16="http://schemas.microsoft.com/office/drawing/2014/main" id="{FFBC54D9-EE7D-4F07-8427-DCC6BB637B01}"/>
+              </a:ext>
+            </a:extLst>
+          </p:cNvPr>
+          <p:cNvPicPr>
+            <a:picLocks noChangeAspect="1"/>
+          </p:cNvPicPr>
+          <p:nvPr/>
+        </p:nvPicPr>
+        <p:blipFill rotWithShape="1">
+          <a:blip r:embed="rId2">
+            <a:extLst>
+              <a:ext uri="{28A0092B-C50C-407E-A947-70E740481C1C}">
+                <a14:useLocalDpi xmlns:a14="http://schemas.microsoft.com/office/drawing/2010/main" val="0"/>
+              </a:ext>
+            </a:extLst>
+          </a:blip>
+          <a:srcRect l="1084" r="26027"/>
+          <a:stretch/>
+        </p:blipFill>
+        <p:spPr>
+          <a:xfrm>
+            <a:off x="20" y="10"/>
+            <a:ext cx="12191980" cy="6857990"/>
+          </a:xfrm>
+          <a:prstGeom prst="rect">
+            <a:avLst/>
+          </a:prstGeom>
+        </p:spPr>
+      </p:pic>
+      <p:sp>
+        <p:nvSpPr>
+          <p:cNvPr id="2" name="文本框 1">
+            <a:extLst>
+              <a:ext uri="{FF2B5EF4-FFF2-40B4-BE49-F238E27FC236}">
+                <a16:creationId xmlns:a16="http://schemas.microsoft.com/office/drawing/2014/main" id="{AC9A64AA-7AE9-4BAD-A6AC-CAA8551020C2}"/>
+              </a:ext>
+            </a:extLst>
+          </p:cNvPr>
+          <p:cNvSpPr txBox="1"/>
+          <p:nvPr/>
+        </p:nvSpPr>
+        <p:spPr>
+          <a:xfrm>
+            <a:off x="1021976" y="1011218"/>
+            <a:ext cx="3148619" cy="523220"/>
+          </a:xfrm>
+          <a:prstGeom prst="rect">
+            <a:avLst/>
+          </a:prstGeom>
+          <a:noFill/>
+        </p:spPr>
+        <p:txBody>
+          <a:bodyPr wrap="none" rtlCol="0">
+            <a:spAutoFit/>
+          </a:bodyPr>
+          <a:lstStyle/>
+          <a:p>
+            <a:r>
+              <a:rPr lang="zh-CN" altLang="en-US" sz="2800" dirty="0">
+                <a:solidFill>
+                  <a:schemeClr val="bg1"/>
+                </a:solidFill>
+              </a:rPr>
+              <a:t>第三步：编写代码</a:t>
+            </a:r>
+          </a:p>
+        </p:txBody>
+      </p:sp>
+      <p:pic>
+        <p:nvPicPr>
+          <p:cNvPr id="3" name="图片 2">
+            <a:extLst>
+              <a:ext uri="{FF2B5EF4-FFF2-40B4-BE49-F238E27FC236}">
+                <a16:creationId xmlns:a16="http://schemas.microsoft.com/office/drawing/2014/main" id="{B65DC1B0-BA8E-4B66-8D91-327F70DA7534}"/>
+              </a:ext>
+            </a:extLst>
+          </p:cNvPr>
+          <p:cNvPicPr>
+            <a:picLocks noChangeAspect="1"/>
+          </p:cNvPicPr>
+          <p:nvPr/>
+        </p:nvPicPr>
+        <p:blipFill>
+          <a:blip r:embed="rId3"/>
+          <a:stretch>
+            <a:fillRect/>
+          </a:stretch>
+        </p:blipFill>
+        <p:spPr>
+          <a:xfrm>
+            <a:off x="1699709" y="1769019"/>
+            <a:ext cx="9108667" cy="4854399"/>
+          </a:xfrm>
+          <a:prstGeom prst="rect">
+            <a:avLst/>
+          </a:prstGeom>
+        </p:spPr>
+      </p:pic>
+    </p:spTree>
+    <p:extLst>
+      <p:ext uri="{BB962C8B-B14F-4D97-AF65-F5344CB8AC3E}">
+        <p14:creationId xmlns:p14="http://schemas.microsoft.com/office/powerpoint/2010/main" val="146116378"/>
+      </p:ext>
+    </p:extLst>
+  </p:cSld>
+  <p:clrMapOvr>
+    <a:masterClrMapping/>
+  </p:clrMapOvr>
+  <mc:AlternateContent xmlns:mc="http://schemas.openxmlformats.org/markup-compatibility/2006" xmlns:p14="http://schemas.microsoft.com/office/powerpoint/2010/main">
+    <mc:Choice Requires="p14">
+      <p:transition spd="med" p14:dur="700">
+        <p:fade/>
+      </p:transition>
+    </mc:Choice>
+    <mc:Fallback xmlns="">
+      <p:transition spd="med">
+        <p:fade/>
+      </p:transition>
+    </mc:Fallback>
+  </mc:AlternateContent>
+</p:sld>
+</file>
+
+<file path=ppt/slides/slide26.xml><?xml version="1.0" encoding="utf-8"?>
+<p:sld xmlns:a="http://schemas.openxmlformats.org/drawingml/2006/main" xmlns:r="http://schemas.openxmlformats.org/officeDocument/2006/relationships" xmlns:p="http://schemas.openxmlformats.org/presentationml/2006/main">
+  <p:cSld>
+    <p:spTree>
+      <p:nvGrpSpPr>
+        <p:cNvPr id="1" name=""/>
+        <p:cNvGrpSpPr/>
+        <p:nvPr/>
+      </p:nvGrpSpPr>
+      <p:grpSpPr>
+        <a:xfrm>
+          <a:off x="0" y="0"/>
+          <a:ext cx="0" cy="0"/>
+          <a:chOff x="0" y="0"/>
+          <a:chExt cx="0" cy="0"/>
+        </a:xfrm>
+      </p:grpSpPr>
+      <p:pic>
+        <p:nvPicPr>
+          <p:cNvPr id="5" name="图片 4">
+            <a:extLst>
+              <a:ext uri="{FF2B5EF4-FFF2-40B4-BE49-F238E27FC236}">
+                <a16:creationId xmlns:a16="http://schemas.microsoft.com/office/drawing/2014/main" id="{FFBC54D9-EE7D-4F07-8427-DCC6BB637B01}"/>
+              </a:ext>
+            </a:extLst>
+          </p:cNvPr>
+          <p:cNvPicPr>
+            <a:picLocks noChangeAspect="1"/>
+          </p:cNvPicPr>
+          <p:nvPr/>
+        </p:nvPicPr>
+        <p:blipFill rotWithShape="1">
+          <a:blip r:embed="rId2">
+            <a:extLst>
+              <a:ext uri="{28A0092B-C50C-407E-A947-70E740481C1C}">
+                <a14:useLocalDpi xmlns:a14="http://schemas.microsoft.com/office/drawing/2010/main" val="0"/>
+              </a:ext>
+            </a:extLst>
+          </a:blip>
+          <a:srcRect l="1084" r="26027"/>
+          <a:stretch/>
+        </p:blipFill>
+        <p:spPr>
+          <a:xfrm>
+            <a:off x="20" y="10"/>
+            <a:ext cx="12191980" cy="6857990"/>
+          </a:xfrm>
+          <a:prstGeom prst="rect">
+            <a:avLst/>
+          </a:prstGeom>
+        </p:spPr>
+      </p:pic>
+      <p:sp>
+        <p:nvSpPr>
+          <p:cNvPr id="3" name="文本框 2">
+            <a:extLst>
+              <a:ext uri="{FF2B5EF4-FFF2-40B4-BE49-F238E27FC236}">
+                <a16:creationId xmlns:a16="http://schemas.microsoft.com/office/drawing/2014/main" id="{C04F5934-6A89-433B-9500-04782FABCAAA}"/>
+              </a:ext>
+            </a:extLst>
+          </p:cNvPr>
+          <p:cNvSpPr txBox="1"/>
+          <p:nvPr/>
+        </p:nvSpPr>
+        <p:spPr>
+          <a:xfrm>
+            <a:off x="688488" y="548645"/>
+            <a:ext cx="3057247" cy="523220"/>
+          </a:xfrm>
+          <a:prstGeom prst="rect">
+            <a:avLst/>
+          </a:prstGeom>
+          <a:noFill/>
+        </p:spPr>
+        <p:txBody>
+          <a:bodyPr wrap="none" rtlCol="0">
+            <a:spAutoFit/>
+          </a:bodyPr>
+          <a:lstStyle/>
+          <a:p>
+            <a:r>
+              <a:rPr lang="zh-CN" altLang="en-US" sz="2800" dirty="0">
+                <a:solidFill>
+                  <a:schemeClr val="bg1"/>
+                </a:solidFill>
+              </a:rPr>
+              <a:t>第四步：运行程序</a:t>
+            </a:r>
+          </a:p>
+        </p:txBody>
+      </p:sp>
+      <p:pic>
+        <p:nvPicPr>
+          <p:cNvPr id="4" name="图片 3">
+            <a:extLst>
+              <a:ext uri="{FF2B5EF4-FFF2-40B4-BE49-F238E27FC236}">
+                <a16:creationId xmlns:a16="http://schemas.microsoft.com/office/drawing/2014/main" id="{21751552-5703-4AF9-AD72-66DD900E6542}"/>
+              </a:ext>
+            </a:extLst>
+          </p:cNvPr>
+          <p:cNvPicPr>
+            <a:picLocks noChangeAspect="1"/>
+          </p:cNvPicPr>
+          <p:nvPr/>
+        </p:nvPicPr>
+        <p:blipFill>
+          <a:blip r:embed="rId3"/>
+          <a:stretch>
+            <a:fillRect/>
+          </a:stretch>
+        </p:blipFill>
+        <p:spPr>
+          <a:xfrm>
+            <a:off x="1190512" y="1229235"/>
+            <a:ext cx="10266382" cy="5471395"/>
+          </a:xfrm>
+          <a:prstGeom prst="rect">
+            <a:avLst/>
+          </a:prstGeom>
+        </p:spPr>
+      </p:pic>
+    </p:spTree>
+    <p:extLst>
+      <p:ext uri="{BB962C8B-B14F-4D97-AF65-F5344CB8AC3E}">
+        <p14:creationId xmlns:p14="http://schemas.microsoft.com/office/powerpoint/2010/main" val="1842493365"/>
+      </p:ext>
+    </p:extLst>
+  </p:cSld>
+  <p:clrMapOvr>
+    <a:masterClrMapping/>
+  </p:clrMapOvr>
+  <mc:AlternateContent xmlns:mc="http://schemas.openxmlformats.org/markup-compatibility/2006" xmlns:p14="http://schemas.microsoft.com/office/powerpoint/2010/main">
+    <mc:Choice Requires="p14">
+      <p:transition spd="med" p14:dur="700">
+        <p:fade/>
+      </p:transition>
+    </mc:Choice>
+    <mc:Fallback xmlns="">
+      <p:transition spd="med">
+        <p:fade/>
+      </p:transition>
+    </mc:Fallback>
+  </mc:AlternateContent>
+</p:sld>
+</file>
+
+<file path=ppt/slides/slide27.xml><?xml version="1.0" encoding="utf-8"?>
+<p:sld xmlns:a="http://schemas.openxmlformats.org/drawingml/2006/main" xmlns:r="http://schemas.openxmlformats.org/officeDocument/2006/relationships" xmlns:p="http://schemas.openxmlformats.org/presentationml/2006/main">
+  <p:cSld>
+    <p:spTree>
+      <p:nvGrpSpPr>
+        <p:cNvPr id="1" name=""/>
+        <p:cNvGrpSpPr/>
+        <p:nvPr/>
+      </p:nvGrpSpPr>
+      <p:grpSpPr>
+        <a:xfrm>
+          <a:off x="0" y="0"/>
+          <a:ext cx="0" cy="0"/>
+          <a:chOff x="0" y="0"/>
+          <a:chExt cx="0" cy="0"/>
+        </a:xfrm>
+      </p:grpSpPr>
+      <p:pic>
+        <p:nvPicPr>
+          <p:cNvPr id="5" name="图片 4">
+            <a:extLst>
+              <a:ext uri="{FF2B5EF4-FFF2-40B4-BE49-F238E27FC236}">
+                <a16:creationId xmlns:a16="http://schemas.microsoft.com/office/drawing/2014/main" id="{FFBC54D9-EE7D-4F07-8427-DCC6BB637B01}"/>
+              </a:ext>
+            </a:extLst>
+          </p:cNvPr>
+          <p:cNvPicPr>
+            <a:picLocks noChangeAspect="1"/>
+          </p:cNvPicPr>
+          <p:nvPr/>
+        </p:nvPicPr>
+        <p:blipFill rotWithShape="1">
+          <a:blip r:embed="rId2">
+            <a:extLst>
+              <a:ext uri="{28A0092B-C50C-407E-A947-70E740481C1C}">
+                <a14:useLocalDpi xmlns:a14="http://schemas.microsoft.com/office/drawing/2010/main" val="0"/>
+              </a:ext>
+            </a:extLst>
+          </a:blip>
+          <a:srcRect l="1084" r="26027"/>
+          <a:stretch/>
+        </p:blipFill>
+        <p:spPr>
+          <a:xfrm>
             <a:off x="0" y="0"/>
             <a:ext cx="12191980" cy="6857990"/>
           </a:xfrm>
@@ -10898,7 +13967,7 @@
 </p:sld>
 </file>
 
-<file path=ppt/slides/slide22.xml><?xml version="1.0" encoding="utf-8"?>
+<file path=ppt/slides/slide28.xml><?xml version="1.0" encoding="utf-8"?>
 <p:sld xmlns:a="http://schemas.openxmlformats.org/drawingml/2006/main" xmlns:r="http://schemas.openxmlformats.org/officeDocument/2006/relationships" xmlns:p="http://schemas.openxmlformats.org/presentationml/2006/main">
   <p:cSld>
     <p:spTree>

--- a/doc/教学课件/C语言基础/PPT/1.HelloWorld.pptx
+++ b/doc/教学课件/C语言基础/PPT/1.HelloWorld.pptx
@@ -297,7 +297,7 @@
           <a:p>
             <a:fld id="{F65B811B-E3B4-42AF-946D-EBB340E40D27}" type="datetimeFigureOut">
               <a:rPr lang="zh-CN" altLang="en-US" smtClean="0"/>
-              <a:t>2018/9/7</a:t>
+              <a:t>2018/9/14</a:t>
             </a:fld>
             <a:endParaRPr lang="zh-CN" altLang="en-US"/>
           </a:p>
@@ -507,7 +507,7 @@
           <a:p>
             <a:fld id="{F65B811B-E3B4-42AF-946D-EBB340E40D27}" type="datetimeFigureOut">
               <a:rPr lang="zh-CN" altLang="en-US" smtClean="0"/>
-              <a:t>2018/9/7</a:t>
+              <a:t>2018/9/14</a:t>
             </a:fld>
             <a:endParaRPr lang="zh-CN" altLang="en-US"/>
           </a:p>
@@ -727,7 +727,7 @@
           <a:p>
             <a:fld id="{F65B811B-E3B4-42AF-946D-EBB340E40D27}" type="datetimeFigureOut">
               <a:rPr lang="zh-CN" altLang="en-US" smtClean="0"/>
-              <a:t>2018/9/7</a:t>
+              <a:t>2018/9/14</a:t>
             </a:fld>
             <a:endParaRPr lang="zh-CN" altLang="en-US"/>
           </a:p>
@@ -937,7 +937,7 @@
           <a:p>
             <a:fld id="{F65B811B-E3B4-42AF-946D-EBB340E40D27}" type="datetimeFigureOut">
               <a:rPr lang="zh-CN" altLang="en-US" smtClean="0"/>
-              <a:t>2018/9/7</a:t>
+              <a:t>2018/9/14</a:t>
             </a:fld>
             <a:endParaRPr lang="zh-CN" altLang="en-US"/>
           </a:p>
@@ -1224,7 +1224,7 @@
           <a:p>
             <a:fld id="{F65B811B-E3B4-42AF-946D-EBB340E40D27}" type="datetimeFigureOut">
               <a:rPr lang="zh-CN" altLang="en-US" smtClean="0"/>
-              <a:t>2018/9/7</a:t>
+              <a:t>2018/9/14</a:t>
             </a:fld>
             <a:endParaRPr lang="zh-CN" altLang="en-US"/>
           </a:p>
@@ -1501,7 +1501,7 @@
           <a:p>
             <a:fld id="{F65B811B-E3B4-42AF-946D-EBB340E40D27}" type="datetimeFigureOut">
               <a:rPr lang="zh-CN" altLang="en-US" smtClean="0"/>
-              <a:t>2018/9/7</a:t>
+              <a:t>2018/9/14</a:t>
             </a:fld>
             <a:endParaRPr lang="zh-CN" altLang="en-US"/>
           </a:p>
@@ -1925,7 +1925,7 @@
           <a:p>
             <a:fld id="{F65B811B-E3B4-42AF-946D-EBB340E40D27}" type="datetimeFigureOut">
               <a:rPr lang="zh-CN" altLang="en-US" smtClean="0"/>
-              <a:t>2018/9/7</a:t>
+              <a:t>2018/9/14</a:t>
             </a:fld>
             <a:endParaRPr lang="zh-CN" altLang="en-US"/>
           </a:p>
@@ -2078,7 +2078,7 @@
           <a:p>
             <a:fld id="{F65B811B-E3B4-42AF-946D-EBB340E40D27}" type="datetimeFigureOut">
               <a:rPr lang="zh-CN" altLang="en-US" smtClean="0"/>
-              <a:t>2018/9/7</a:t>
+              <a:t>2018/9/14</a:t>
             </a:fld>
             <a:endParaRPr lang="zh-CN" altLang="en-US"/>
           </a:p>
@@ -2203,7 +2203,7 @@
           <a:p>
             <a:fld id="{F65B811B-E3B4-42AF-946D-EBB340E40D27}" type="datetimeFigureOut">
               <a:rPr lang="zh-CN" altLang="en-US" smtClean="0"/>
-              <a:t>2018/9/7</a:t>
+              <a:t>2018/9/14</a:t>
             </a:fld>
             <a:endParaRPr lang="zh-CN" altLang="en-US"/>
           </a:p>
@@ -2526,7 +2526,7 @@
           <a:p>
             <a:fld id="{F65B811B-E3B4-42AF-946D-EBB340E40D27}" type="datetimeFigureOut">
               <a:rPr lang="zh-CN" altLang="en-US" smtClean="0"/>
-              <a:t>2018/9/7</a:t>
+              <a:t>2018/9/14</a:t>
             </a:fld>
             <a:endParaRPr lang="zh-CN" altLang="en-US"/>
           </a:p>
@@ -2826,7 +2826,7 @@
           <a:p>
             <a:fld id="{F65B811B-E3B4-42AF-946D-EBB340E40D27}" type="datetimeFigureOut">
               <a:rPr lang="zh-CN" altLang="en-US" smtClean="0"/>
-              <a:t>2018/9/7</a:t>
+              <a:t>2018/9/14</a:t>
             </a:fld>
             <a:endParaRPr lang="zh-CN" altLang="en-US"/>
           </a:p>
@@ -3079,7 +3079,7 @@
           <a:p>
             <a:fld id="{F65B811B-E3B4-42AF-946D-EBB340E40D27}" type="datetimeFigureOut">
               <a:rPr lang="zh-CN" altLang="en-US" smtClean="0"/>
-              <a:t>2018/9/7</a:t>
+              <a:t>2018/9/14</a:t>
             </a:fld>
             <a:endParaRPr lang="zh-CN" altLang="en-US"/>
           </a:p>
@@ -12209,7 +12209,7 @@
         </p:nvSpPr>
         <p:spPr>
           <a:xfrm>
-            <a:off x="3084646" y="2493001"/>
+            <a:off x="2422263" y="2285584"/>
             <a:ext cx="7347473" cy="3886284"/>
           </a:xfrm>
           <a:prstGeom prst="rect">
@@ -12252,10 +12252,10 @@
       </p:sp>
       <p:sp>
         <p:nvSpPr>
-          <p:cNvPr id="6" name="文本框 5">
-            <a:extLst>
-              <a:ext uri="{FF2B5EF4-FFF2-40B4-BE49-F238E27FC236}">
-                <a16:creationId xmlns:a16="http://schemas.microsoft.com/office/drawing/2014/main" id="{0F19E21B-15B5-4E84-BEEF-BB0FF0214A7C}"/>
+          <p:cNvPr id="8" name="文本框 7">
+            <a:extLst>
+              <a:ext uri="{FF2B5EF4-FFF2-40B4-BE49-F238E27FC236}">
+                <a16:creationId xmlns:a16="http://schemas.microsoft.com/office/drawing/2014/main" id="{379B3E8B-7AE3-4DD8-B2BA-0AD59C38E07C}"/>
               </a:ext>
             </a:extLst>
           </p:cNvPr>
@@ -12264,51 +12264,7 @@
         </p:nvSpPr>
         <p:spPr>
           <a:xfrm>
-            <a:off x="1818041" y="1770828"/>
-            <a:ext cx="1691489" cy="523220"/>
-          </a:xfrm>
-          <a:prstGeom prst="rect">
-            <a:avLst/>
-          </a:prstGeom>
-          <a:noFill/>
-        </p:spPr>
-        <p:txBody>
-          <a:bodyPr wrap="none" rtlCol="0">
-            <a:spAutoFit/>
-          </a:bodyPr>
-          <a:lstStyle/>
-          <a:p>
-            <a:r>
-              <a:rPr lang="en-US" altLang="zh-CN" sz="2800" dirty="0">
-                <a:solidFill>
-                  <a:schemeClr val="bg1"/>
-                </a:solidFill>
-              </a:rPr>
-              <a:t>code1_1:</a:t>
-            </a:r>
-            <a:endParaRPr lang="zh-CN" altLang="en-US" sz="2800" dirty="0">
-              <a:solidFill>
-                <a:schemeClr val="bg1"/>
-              </a:solidFill>
-            </a:endParaRPr>
-          </a:p>
-        </p:txBody>
-      </p:sp>
-      <p:sp>
-        <p:nvSpPr>
-          <p:cNvPr id="8" name="文本框 7">
-            <a:extLst>
-              <a:ext uri="{FF2B5EF4-FFF2-40B4-BE49-F238E27FC236}">
-                <a16:creationId xmlns:a16="http://schemas.microsoft.com/office/drawing/2014/main" id="{379B3E8B-7AE3-4DD8-B2BA-0AD59C38E07C}"/>
-              </a:ext>
-            </a:extLst>
-          </p:cNvPr>
-          <p:cNvSpPr txBox="1"/>
-          <p:nvPr/>
-        </p:nvSpPr>
-        <p:spPr>
-          <a:xfrm>
-            <a:off x="3514096" y="2631709"/>
+            <a:off x="2851713" y="2424292"/>
             <a:ext cx="4253087" cy="584775"/>
           </a:xfrm>
           <a:prstGeom prst="rect">
@@ -12372,7 +12328,7 @@
         </p:nvSpPr>
         <p:spPr>
           <a:xfrm>
-            <a:off x="3509530" y="3262837"/>
+            <a:off x="2847147" y="3055420"/>
             <a:ext cx="2896947" cy="584775"/>
           </a:xfrm>
           <a:prstGeom prst="rect">
@@ -12418,7 +12374,7 @@
         </p:nvSpPr>
         <p:spPr>
           <a:xfrm>
-            <a:off x="3840757" y="3937559"/>
+            <a:off x="3178374" y="3730142"/>
             <a:ext cx="5383205" cy="584775"/>
           </a:xfrm>
           <a:prstGeom prst="rect">
@@ -12473,7 +12429,7 @@
         </p:nvSpPr>
         <p:spPr>
           <a:xfrm>
-            <a:off x="3840757" y="4522334"/>
+            <a:off x="3178374" y="4314917"/>
             <a:ext cx="3801041" cy="584775"/>
           </a:xfrm>
           <a:prstGeom prst="rect">
@@ -12519,7 +12475,7 @@
         </p:nvSpPr>
         <p:spPr>
           <a:xfrm>
-            <a:off x="3840757" y="4515730"/>
+            <a:off x="3178374" y="4308313"/>
             <a:ext cx="2218877" cy="584775"/>
           </a:xfrm>
           <a:prstGeom prst="rect">
@@ -12565,7 +12521,7 @@
         </p:nvSpPr>
         <p:spPr>
           <a:xfrm>
-            <a:off x="3509530" y="5059780"/>
+            <a:off x="2847147" y="4852363"/>
             <a:ext cx="410690" cy="584775"/>
           </a:xfrm>
           <a:prstGeom prst="rect">
@@ -12660,7 +12616,7 @@
         </p:nvSpPr>
         <p:spPr>
           <a:xfrm>
-            <a:off x="3840757" y="3916779"/>
+            <a:off x="3178374" y="3709362"/>
             <a:ext cx="5835252" cy="584775"/>
           </a:xfrm>
           <a:prstGeom prst="rect">
@@ -12917,6 +12873,216 @@
                                   </p:childTnLst>
                                 </p:cTn>
                               </p:par>
+                              <p:par>
+                                <p:cTn id="10" presetID="22" presetClass="entr" presetSubtype="8" fill="hold" grpId="0" nodeType="withEffect">
+                                  <p:stCondLst>
+                                    <p:cond delay="0"/>
+                                  </p:stCondLst>
+                                  <p:childTnLst>
+                                    <p:set>
+                                      <p:cBhvr>
+                                        <p:cTn id="11" dur="1" fill="hold">
+                                          <p:stCondLst>
+                                            <p:cond delay="0"/>
+                                          </p:stCondLst>
+                                        </p:cTn>
+                                        <p:tgtEl>
+                                          <p:spTgt spid="8"/>
+                                        </p:tgtEl>
+                                        <p:attrNameLst>
+                                          <p:attrName>style.visibility</p:attrName>
+                                        </p:attrNameLst>
+                                      </p:cBhvr>
+                                      <p:to>
+                                        <p:strVal val="visible"/>
+                                      </p:to>
+                                    </p:set>
+                                    <p:animEffect transition="in" filter="wipe(left)">
+                                      <p:cBhvr>
+                                        <p:cTn id="12" dur="500"/>
+                                        <p:tgtEl>
+                                          <p:spTgt spid="8"/>
+                                        </p:tgtEl>
+                                      </p:cBhvr>
+                                    </p:animEffect>
+                                  </p:childTnLst>
+                                </p:cTn>
+                              </p:par>
+                              <p:par>
+                                <p:cTn id="13" presetID="22" presetClass="entr" presetSubtype="8" fill="hold" grpId="0" nodeType="withEffect">
+                                  <p:stCondLst>
+                                    <p:cond delay="0"/>
+                                  </p:stCondLst>
+                                  <p:childTnLst>
+                                    <p:set>
+                                      <p:cBhvr>
+                                        <p:cTn id="14" dur="1" fill="hold">
+                                          <p:stCondLst>
+                                            <p:cond delay="0"/>
+                                          </p:stCondLst>
+                                        </p:cTn>
+                                        <p:tgtEl>
+                                          <p:spTgt spid="9"/>
+                                        </p:tgtEl>
+                                        <p:attrNameLst>
+                                          <p:attrName>style.visibility</p:attrName>
+                                        </p:attrNameLst>
+                                      </p:cBhvr>
+                                      <p:to>
+                                        <p:strVal val="visible"/>
+                                      </p:to>
+                                    </p:set>
+                                    <p:animEffect transition="in" filter="wipe(left)">
+                                      <p:cBhvr>
+                                        <p:cTn id="15" dur="500"/>
+                                        <p:tgtEl>
+                                          <p:spTgt spid="9"/>
+                                        </p:tgtEl>
+                                      </p:cBhvr>
+                                    </p:animEffect>
+                                  </p:childTnLst>
+                                </p:cTn>
+                              </p:par>
+                              <p:par>
+                                <p:cTn id="16" presetID="22" presetClass="entr" presetSubtype="8" fill="hold" grpId="0" nodeType="withEffect">
+                                  <p:stCondLst>
+                                    <p:cond delay="0"/>
+                                  </p:stCondLst>
+                                  <p:childTnLst>
+                                    <p:set>
+                                      <p:cBhvr>
+                                        <p:cTn id="17" dur="1" fill="hold">
+                                          <p:stCondLst>
+                                            <p:cond delay="0"/>
+                                          </p:stCondLst>
+                                        </p:cTn>
+                                        <p:tgtEl>
+                                          <p:spTgt spid="10"/>
+                                        </p:tgtEl>
+                                        <p:attrNameLst>
+                                          <p:attrName>style.visibility</p:attrName>
+                                        </p:attrNameLst>
+                                      </p:cBhvr>
+                                      <p:to>
+                                        <p:strVal val="visible"/>
+                                      </p:to>
+                                    </p:set>
+                                    <p:animEffect transition="in" filter="wipe(left)">
+                                      <p:cBhvr>
+                                        <p:cTn id="18" dur="500"/>
+                                        <p:tgtEl>
+                                          <p:spTgt spid="10"/>
+                                        </p:tgtEl>
+                                      </p:cBhvr>
+                                    </p:animEffect>
+                                  </p:childTnLst>
+                                </p:cTn>
+                              </p:par>
+                              <p:par>
+                                <p:cTn id="19" presetID="22" presetClass="entr" presetSubtype="8" fill="hold" grpId="0" nodeType="withEffect">
+                                  <p:stCondLst>
+                                    <p:cond delay="0"/>
+                                  </p:stCondLst>
+                                  <p:childTnLst>
+                                    <p:set>
+                                      <p:cBhvr>
+                                        <p:cTn id="20" dur="1" fill="hold">
+                                          <p:stCondLst>
+                                            <p:cond delay="0"/>
+                                          </p:stCondLst>
+                                        </p:cTn>
+                                        <p:tgtEl>
+                                          <p:spTgt spid="12"/>
+                                        </p:tgtEl>
+                                        <p:attrNameLst>
+                                          <p:attrName>style.visibility</p:attrName>
+                                        </p:attrNameLst>
+                                      </p:cBhvr>
+                                      <p:to>
+                                        <p:strVal val="visible"/>
+                                      </p:to>
+                                    </p:set>
+                                    <p:animEffect transition="in" filter="wipe(left)">
+                                      <p:cBhvr>
+                                        <p:cTn id="21" dur="500"/>
+                                        <p:tgtEl>
+                                          <p:spTgt spid="12"/>
+                                        </p:tgtEl>
+                                      </p:cBhvr>
+                                    </p:animEffect>
+                                  </p:childTnLst>
+                                </p:cTn>
+                              </p:par>
+                              <p:par>
+                                <p:cTn id="22" presetID="22" presetClass="entr" presetSubtype="8" fill="hold" grpId="0" nodeType="withEffect">
+                                  <p:stCondLst>
+                                    <p:cond delay="0"/>
+                                  </p:stCondLst>
+                                  <p:childTnLst>
+                                    <p:set>
+                                      <p:cBhvr>
+                                        <p:cTn id="23" dur="1" fill="hold">
+                                          <p:stCondLst>
+                                            <p:cond delay="0"/>
+                                          </p:stCondLst>
+                                        </p:cTn>
+                                        <p:tgtEl>
+                                          <p:spTgt spid="13"/>
+                                        </p:tgtEl>
+                                        <p:attrNameLst>
+                                          <p:attrName>style.visibility</p:attrName>
+                                        </p:attrNameLst>
+                                      </p:cBhvr>
+                                      <p:to>
+                                        <p:strVal val="visible"/>
+                                      </p:to>
+                                    </p:set>
+                                    <p:animEffect transition="in" filter="wipe(left)">
+                                      <p:cBhvr>
+                                        <p:cTn id="24" dur="500"/>
+                                        <p:tgtEl>
+                                          <p:spTgt spid="13"/>
+                                        </p:tgtEl>
+                                      </p:cBhvr>
+                                    </p:animEffect>
+                                  </p:childTnLst>
+                                </p:cTn>
+                              </p:par>
+                              <p:par>
+                                <p:cTn id="25" presetID="22" presetClass="entr" presetSubtype="1" fill="hold" grpId="0" nodeType="withEffect">
+                                  <p:stCondLst>
+                                    <p:cond delay="0"/>
+                                  </p:stCondLst>
+                                  <p:childTnLst>
+                                    <p:set>
+                                      <p:cBhvr>
+                                        <p:cTn id="26" dur="1" fill="hold">
+                                          <p:stCondLst>
+                                            <p:cond delay="0"/>
+                                          </p:stCondLst>
+                                        </p:cTn>
+                                        <p:tgtEl>
+                                          <p:spTgt spid="16"/>
+                                        </p:tgtEl>
+                                        <p:attrNameLst>
+                                          <p:attrName>style.visibility</p:attrName>
+                                        </p:attrNameLst>
+                                      </p:cBhvr>
+                                      <p:to>
+                                        <p:strVal val="visible"/>
+                                      </p:to>
+                                    </p:set>
+                                    <p:animEffect transition="in" filter="wipe(up)">
+                                      <p:cBhvr>
+                                        <p:cTn id="27" dur="500"/>
+                                        <p:tgtEl>
+                                          <p:spTgt spid="16"/>
+                                        </p:tgtEl>
+                                      </p:cBhvr>
+                                    </p:animEffect>
+                                  </p:childTnLst>
+                                </p:cTn>
+                              </p:par>
                             </p:childTnLst>
                           </p:cTn>
                         </p:par>
@@ -12924,229 +13090,19 @@
                     </p:cTn>
                   </p:par>
                   <p:par>
-                    <p:cTn id="10" fill="hold">
+                    <p:cTn id="28" fill="hold">
                       <p:stCondLst>
                         <p:cond delay="indefinite"/>
                       </p:stCondLst>
                       <p:childTnLst>
                         <p:par>
-                          <p:cTn id="11" fill="hold">
+                          <p:cTn id="29" fill="hold">
                             <p:stCondLst>
                               <p:cond delay="0"/>
                             </p:stCondLst>
                             <p:childTnLst>
                               <p:par>
-                                <p:cTn id="12" presetID="22" presetClass="entr" presetSubtype="8" fill="hold" grpId="0" nodeType="clickEffect">
-                                  <p:stCondLst>
-                                    <p:cond delay="0"/>
-                                  </p:stCondLst>
-                                  <p:childTnLst>
-                                    <p:set>
-                                      <p:cBhvr>
-                                        <p:cTn id="13" dur="1" fill="hold">
-                                          <p:stCondLst>
-                                            <p:cond delay="0"/>
-                                          </p:stCondLst>
-                                        </p:cTn>
-                                        <p:tgtEl>
-                                          <p:spTgt spid="6"/>
-                                        </p:tgtEl>
-                                        <p:attrNameLst>
-                                          <p:attrName>style.visibility</p:attrName>
-                                        </p:attrNameLst>
-                                      </p:cBhvr>
-                                      <p:to>
-                                        <p:strVal val="visible"/>
-                                      </p:to>
-                                    </p:set>
-                                    <p:animEffect transition="in" filter="wipe(left)">
-                                      <p:cBhvr>
-                                        <p:cTn id="14" dur="500"/>
-                                        <p:tgtEl>
-                                          <p:spTgt spid="6"/>
-                                        </p:tgtEl>
-                                      </p:cBhvr>
-                                    </p:animEffect>
-                                  </p:childTnLst>
-                                </p:cTn>
-                              </p:par>
-                              <p:par>
-                                <p:cTn id="15" presetID="22" presetClass="entr" presetSubtype="8" fill="hold" grpId="0" nodeType="withEffect">
-                                  <p:stCondLst>
-                                    <p:cond delay="0"/>
-                                  </p:stCondLst>
-                                  <p:childTnLst>
-                                    <p:set>
-                                      <p:cBhvr>
-                                        <p:cTn id="16" dur="1" fill="hold">
-                                          <p:stCondLst>
-                                            <p:cond delay="0"/>
-                                          </p:stCondLst>
-                                        </p:cTn>
-                                        <p:tgtEl>
-                                          <p:spTgt spid="8"/>
-                                        </p:tgtEl>
-                                        <p:attrNameLst>
-                                          <p:attrName>style.visibility</p:attrName>
-                                        </p:attrNameLst>
-                                      </p:cBhvr>
-                                      <p:to>
-                                        <p:strVal val="visible"/>
-                                      </p:to>
-                                    </p:set>
-                                    <p:animEffect transition="in" filter="wipe(left)">
-                                      <p:cBhvr>
-                                        <p:cTn id="17" dur="500"/>
-                                        <p:tgtEl>
-                                          <p:spTgt spid="8"/>
-                                        </p:tgtEl>
-                                      </p:cBhvr>
-                                    </p:animEffect>
-                                  </p:childTnLst>
-                                </p:cTn>
-                              </p:par>
-                              <p:par>
-                                <p:cTn id="18" presetID="22" presetClass="entr" presetSubtype="8" fill="hold" grpId="0" nodeType="withEffect">
-                                  <p:stCondLst>
-                                    <p:cond delay="0"/>
-                                  </p:stCondLst>
-                                  <p:childTnLst>
-                                    <p:set>
-                                      <p:cBhvr>
-                                        <p:cTn id="19" dur="1" fill="hold">
-                                          <p:stCondLst>
-                                            <p:cond delay="0"/>
-                                          </p:stCondLst>
-                                        </p:cTn>
-                                        <p:tgtEl>
-                                          <p:spTgt spid="9"/>
-                                        </p:tgtEl>
-                                        <p:attrNameLst>
-                                          <p:attrName>style.visibility</p:attrName>
-                                        </p:attrNameLst>
-                                      </p:cBhvr>
-                                      <p:to>
-                                        <p:strVal val="visible"/>
-                                      </p:to>
-                                    </p:set>
-                                    <p:animEffect transition="in" filter="wipe(left)">
-                                      <p:cBhvr>
-                                        <p:cTn id="20" dur="500"/>
-                                        <p:tgtEl>
-                                          <p:spTgt spid="9"/>
-                                        </p:tgtEl>
-                                      </p:cBhvr>
-                                    </p:animEffect>
-                                  </p:childTnLst>
-                                </p:cTn>
-                              </p:par>
-                              <p:par>
-                                <p:cTn id="21" presetID="22" presetClass="entr" presetSubtype="8" fill="hold" grpId="0" nodeType="withEffect">
-                                  <p:stCondLst>
-                                    <p:cond delay="0"/>
-                                  </p:stCondLst>
-                                  <p:childTnLst>
-                                    <p:set>
-                                      <p:cBhvr>
-                                        <p:cTn id="22" dur="1" fill="hold">
-                                          <p:stCondLst>
-                                            <p:cond delay="0"/>
-                                          </p:stCondLst>
-                                        </p:cTn>
-                                        <p:tgtEl>
-                                          <p:spTgt spid="10"/>
-                                        </p:tgtEl>
-                                        <p:attrNameLst>
-                                          <p:attrName>style.visibility</p:attrName>
-                                        </p:attrNameLst>
-                                      </p:cBhvr>
-                                      <p:to>
-                                        <p:strVal val="visible"/>
-                                      </p:to>
-                                    </p:set>
-                                    <p:animEffect transition="in" filter="wipe(left)">
-                                      <p:cBhvr>
-                                        <p:cTn id="23" dur="500"/>
-                                        <p:tgtEl>
-                                          <p:spTgt spid="10"/>
-                                        </p:tgtEl>
-                                      </p:cBhvr>
-                                    </p:animEffect>
-                                  </p:childTnLst>
-                                </p:cTn>
-                              </p:par>
-                              <p:par>
-                                <p:cTn id="24" presetID="22" presetClass="entr" presetSubtype="8" fill="hold" grpId="0" nodeType="withEffect">
-                                  <p:stCondLst>
-                                    <p:cond delay="0"/>
-                                  </p:stCondLst>
-                                  <p:childTnLst>
-                                    <p:set>
-                                      <p:cBhvr>
-                                        <p:cTn id="25" dur="1" fill="hold">
-                                          <p:stCondLst>
-                                            <p:cond delay="0"/>
-                                          </p:stCondLst>
-                                        </p:cTn>
-                                        <p:tgtEl>
-                                          <p:spTgt spid="12"/>
-                                        </p:tgtEl>
-                                        <p:attrNameLst>
-                                          <p:attrName>style.visibility</p:attrName>
-                                        </p:attrNameLst>
-                                      </p:cBhvr>
-                                      <p:to>
-                                        <p:strVal val="visible"/>
-                                      </p:to>
-                                    </p:set>
-                                    <p:animEffect transition="in" filter="wipe(left)">
-                                      <p:cBhvr>
-                                        <p:cTn id="26" dur="500"/>
-                                        <p:tgtEl>
-                                          <p:spTgt spid="12"/>
-                                        </p:tgtEl>
-                                      </p:cBhvr>
-                                    </p:animEffect>
-                                  </p:childTnLst>
-                                </p:cTn>
-                              </p:par>
-                              <p:par>
-                                <p:cTn id="27" presetID="22" presetClass="entr" presetSubtype="8" fill="hold" grpId="0" nodeType="withEffect">
-                                  <p:stCondLst>
-                                    <p:cond delay="0"/>
-                                  </p:stCondLst>
-                                  <p:childTnLst>
-                                    <p:set>
-                                      <p:cBhvr>
-                                        <p:cTn id="28" dur="1" fill="hold">
-                                          <p:stCondLst>
-                                            <p:cond delay="0"/>
-                                          </p:stCondLst>
-                                        </p:cTn>
-                                        <p:tgtEl>
-                                          <p:spTgt spid="13"/>
-                                        </p:tgtEl>
-                                        <p:attrNameLst>
-                                          <p:attrName>style.visibility</p:attrName>
-                                        </p:attrNameLst>
-                                      </p:cBhvr>
-                                      <p:to>
-                                        <p:strVal val="visible"/>
-                                      </p:to>
-                                    </p:set>
-                                    <p:animEffect transition="in" filter="wipe(left)">
-                                      <p:cBhvr>
-                                        <p:cTn id="29" dur="500"/>
-                                        <p:tgtEl>
-                                          <p:spTgt spid="13"/>
-                                        </p:tgtEl>
-                                      </p:cBhvr>
-                                    </p:animEffect>
-                                  </p:childTnLst>
-                                </p:cTn>
-                              </p:par>
-                              <p:par>
-                                <p:cTn id="30" presetID="22" presetClass="entr" presetSubtype="1" fill="hold" grpId="0" nodeType="withEffect">
+                                <p:cTn id="30" presetID="2" presetClass="entr" presetSubtype="2" fill="hold" nodeType="clickEffect">
                                   <p:stCondLst>
                                     <p:cond delay="0"/>
                                   </p:stCondLst>
@@ -13159,59 +13115,6 @@
                                           </p:stCondLst>
                                         </p:cTn>
                                         <p:tgtEl>
-                                          <p:spTgt spid="16"/>
-                                        </p:tgtEl>
-                                        <p:attrNameLst>
-                                          <p:attrName>style.visibility</p:attrName>
-                                        </p:attrNameLst>
-                                      </p:cBhvr>
-                                      <p:to>
-                                        <p:strVal val="visible"/>
-                                      </p:to>
-                                    </p:set>
-                                    <p:animEffect transition="in" filter="wipe(up)">
-                                      <p:cBhvr>
-                                        <p:cTn id="32" dur="500"/>
-                                        <p:tgtEl>
-                                          <p:spTgt spid="16"/>
-                                        </p:tgtEl>
-                                      </p:cBhvr>
-                                    </p:animEffect>
-                                  </p:childTnLst>
-                                </p:cTn>
-                              </p:par>
-                            </p:childTnLst>
-                          </p:cTn>
-                        </p:par>
-                      </p:childTnLst>
-                    </p:cTn>
-                  </p:par>
-                  <p:par>
-                    <p:cTn id="33" fill="hold">
-                      <p:stCondLst>
-                        <p:cond delay="indefinite"/>
-                      </p:stCondLst>
-                      <p:childTnLst>
-                        <p:par>
-                          <p:cTn id="34" fill="hold">
-                            <p:stCondLst>
-                              <p:cond delay="0"/>
-                            </p:stCondLst>
-                            <p:childTnLst>
-                              <p:par>
-                                <p:cTn id="35" presetID="2" presetClass="entr" presetSubtype="2" fill="hold" nodeType="clickEffect">
-                                  <p:stCondLst>
-                                    <p:cond delay="0"/>
-                                  </p:stCondLst>
-                                  <p:childTnLst>
-                                    <p:set>
-                                      <p:cBhvr>
-                                        <p:cTn id="36" dur="1" fill="hold">
-                                          <p:stCondLst>
-                                            <p:cond delay="0"/>
-                                          </p:stCondLst>
-                                        </p:cTn>
-                                        <p:tgtEl>
                                           <p:spTgt spid="17"/>
                                         </p:tgtEl>
                                         <p:attrNameLst>
@@ -13224,7 +13127,7 @@
                                     </p:set>
                                     <p:anim calcmode="lin" valueType="num">
                                       <p:cBhvr additive="base">
-                                        <p:cTn id="37" dur="500" fill="hold"/>
+                                        <p:cTn id="32" dur="500" fill="hold"/>
                                         <p:tgtEl>
                                           <p:spTgt spid="17"/>
                                         </p:tgtEl>
@@ -13247,7 +13150,7 @@
                                     </p:anim>
                                     <p:anim calcmode="lin" valueType="num">
                                       <p:cBhvr additive="base">
-                                        <p:cTn id="38" dur="500" fill="hold"/>
+                                        <p:cTn id="33" dur="500" fill="hold"/>
                                         <p:tgtEl>
                                           <p:spTgt spid="17"/>
                                         </p:tgtEl>
@@ -13278,26 +13181,26 @@
                     </p:cTn>
                   </p:par>
                   <p:par>
-                    <p:cTn id="39" fill="hold">
+                    <p:cTn id="34" fill="hold">
                       <p:stCondLst>
                         <p:cond delay="indefinite"/>
                       </p:stCondLst>
                       <p:childTnLst>
                         <p:par>
-                          <p:cTn id="40" fill="hold">
+                          <p:cTn id="35" fill="hold">
                             <p:stCondLst>
                               <p:cond delay="0"/>
                             </p:stCondLst>
                             <p:childTnLst>
                               <p:par>
-                                <p:cTn id="41" presetID="2" presetClass="exit" presetSubtype="8" fill="hold" nodeType="clickEffect">
+                                <p:cTn id="36" presetID="2" presetClass="exit" presetSubtype="8" fill="hold" nodeType="clickEffect">
                                   <p:stCondLst>
                                     <p:cond delay="0"/>
                                   </p:stCondLst>
                                   <p:childTnLst>
                                     <p:anim calcmode="lin" valueType="num">
                                       <p:cBhvr additive="base">
-                                        <p:cTn id="42" dur="500"/>
+                                        <p:cTn id="37" dur="500"/>
                                         <p:tgtEl>
                                           <p:spTgt spid="17"/>
                                         </p:tgtEl>
@@ -13320,7 +13223,7 @@
                                     </p:anim>
                                     <p:anim calcmode="lin" valueType="num">
                                       <p:cBhvr additive="base">
-                                        <p:cTn id="43" dur="500"/>
+                                        <p:cTn id="38" dur="500"/>
                                         <p:tgtEl>
                                           <p:spTgt spid="17"/>
                                         </p:tgtEl>
@@ -13343,7 +13246,7 @@
                                     </p:anim>
                                     <p:set>
                                       <p:cBhvr>
-                                        <p:cTn id="44" dur="1" fill="hold">
+                                        <p:cTn id="39" dur="1" fill="hold">
                                           <p:stCondLst>
                                             <p:cond delay="499"/>
                                           </p:stCondLst>
@@ -13369,26 +13272,26 @@
                     </p:cTn>
                   </p:par>
                   <p:par>
-                    <p:cTn id="45" fill="hold">
+                    <p:cTn id="40" fill="hold">
                       <p:stCondLst>
                         <p:cond delay="indefinite"/>
                       </p:stCondLst>
                       <p:childTnLst>
                         <p:par>
-                          <p:cTn id="46" fill="hold">
+                          <p:cTn id="41" fill="hold">
                             <p:stCondLst>
                               <p:cond delay="0"/>
                             </p:stCondLst>
                             <p:childTnLst>
                               <p:par>
-                                <p:cTn id="47" presetID="42" presetClass="path" presetSubtype="0" accel="50000" decel="50000" fill="hold" grpId="1" nodeType="clickEffect">
+                                <p:cTn id="42" presetID="42" presetClass="path" presetSubtype="0" accel="50000" decel="50000" fill="hold" grpId="1" nodeType="clickEffect">
                                   <p:stCondLst>
                                     <p:cond delay="0"/>
                                   </p:stCondLst>
                                   <p:childTnLst>
                                     <p:animMotion origin="layout" path="M 4.16667E-7 2.59259E-6 L -0.00013 0.08518 " pathEditMode="relative" rAng="0" ptsTypes="AA">
                                       <p:cBhvr>
-                                        <p:cTn id="48" dur="1000" fill="hold"/>
+                                        <p:cTn id="43" dur="1000" fill="hold"/>
                                         <p:tgtEl>
                                           <p:spTgt spid="12"/>
                                         </p:tgtEl>
@@ -13403,14 +13306,14 @@
                                 </p:cTn>
                               </p:par>
                               <p:par>
-                                <p:cTn id="49" presetID="42" presetClass="path" presetSubtype="0" accel="50000" decel="50000" fill="hold" grpId="1" nodeType="withEffect">
+                                <p:cTn id="44" presetID="42" presetClass="path" presetSubtype="0" accel="50000" decel="50000" fill="hold" grpId="1" nodeType="withEffect">
                                   <p:stCondLst>
                                     <p:cond delay="0"/>
                                   </p:stCondLst>
                                   <p:childTnLst>
                                     <p:animMotion origin="layout" path="M 2.5E-6 -4.07407E-6 L -0.00026 0.08519 " pathEditMode="relative" rAng="0" ptsTypes="AA">
                                       <p:cBhvr>
-                                        <p:cTn id="50" dur="1000" fill="hold"/>
+                                        <p:cTn id="45" dur="1000" fill="hold"/>
                                         <p:tgtEl>
                                           <p:spTgt spid="13"/>
                                         </p:tgtEl>
@@ -13428,13 +13331,66 @@
                           </p:cTn>
                         </p:par>
                         <p:par>
-                          <p:cTn id="51" fill="hold">
+                          <p:cTn id="46" fill="hold">
                             <p:stCondLst>
                               <p:cond delay="1000"/>
                             </p:stCondLst>
                             <p:childTnLst>
                               <p:par>
-                                <p:cTn id="52" presetID="22" presetClass="entr" presetSubtype="8" fill="hold" grpId="0" nodeType="afterEffect">
+                                <p:cTn id="47" presetID="22" presetClass="entr" presetSubtype="8" fill="hold" grpId="0" nodeType="afterEffect">
+                                  <p:stCondLst>
+                                    <p:cond delay="0"/>
+                                  </p:stCondLst>
+                                  <p:childTnLst>
+                                    <p:set>
+                                      <p:cBhvr>
+                                        <p:cTn id="48" dur="1" fill="hold">
+                                          <p:stCondLst>
+                                            <p:cond delay="0"/>
+                                          </p:stCondLst>
+                                        </p:cTn>
+                                        <p:tgtEl>
+                                          <p:spTgt spid="11"/>
+                                        </p:tgtEl>
+                                        <p:attrNameLst>
+                                          <p:attrName>style.visibility</p:attrName>
+                                        </p:attrNameLst>
+                                      </p:cBhvr>
+                                      <p:to>
+                                        <p:strVal val="visible"/>
+                                      </p:to>
+                                    </p:set>
+                                    <p:animEffect transition="in" filter="wipe(left)">
+                                      <p:cBhvr>
+                                        <p:cTn id="49" dur="500"/>
+                                        <p:tgtEl>
+                                          <p:spTgt spid="11"/>
+                                        </p:tgtEl>
+                                      </p:cBhvr>
+                                    </p:animEffect>
+                                  </p:childTnLst>
+                                </p:cTn>
+                              </p:par>
+                            </p:childTnLst>
+                          </p:cTn>
+                        </p:par>
+                      </p:childTnLst>
+                    </p:cTn>
+                  </p:par>
+                  <p:par>
+                    <p:cTn id="50" fill="hold">
+                      <p:stCondLst>
+                        <p:cond delay="indefinite"/>
+                      </p:stCondLst>
+                      <p:childTnLst>
+                        <p:par>
+                          <p:cTn id="51" fill="hold">
+                            <p:stCondLst>
+                              <p:cond delay="0"/>
+                            </p:stCondLst>
+                            <p:childTnLst>
+                              <p:par>
+                                <p:cTn id="52" presetID="2" presetClass="entr" presetSubtype="2" fill="hold" nodeType="clickEffect">
                                   <p:stCondLst>
                                     <p:cond delay="0"/>
                                   </p:stCondLst>
@@ -13447,59 +13403,6 @@
                                           </p:stCondLst>
                                         </p:cTn>
                                         <p:tgtEl>
-                                          <p:spTgt spid="11"/>
-                                        </p:tgtEl>
-                                        <p:attrNameLst>
-                                          <p:attrName>style.visibility</p:attrName>
-                                        </p:attrNameLst>
-                                      </p:cBhvr>
-                                      <p:to>
-                                        <p:strVal val="visible"/>
-                                      </p:to>
-                                    </p:set>
-                                    <p:animEffect transition="in" filter="wipe(left)">
-                                      <p:cBhvr>
-                                        <p:cTn id="54" dur="500"/>
-                                        <p:tgtEl>
-                                          <p:spTgt spid="11"/>
-                                        </p:tgtEl>
-                                      </p:cBhvr>
-                                    </p:animEffect>
-                                  </p:childTnLst>
-                                </p:cTn>
-                              </p:par>
-                            </p:childTnLst>
-                          </p:cTn>
-                        </p:par>
-                      </p:childTnLst>
-                    </p:cTn>
-                  </p:par>
-                  <p:par>
-                    <p:cTn id="55" fill="hold">
-                      <p:stCondLst>
-                        <p:cond delay="indefinite"/>
-                      </p:stCondLst>
-                      <p:childTnLst>
-                        <p:par>
-                          <p:cTn id="56" fill="hold">
-                            <p:stCondLst>
-                              <p:cond delay="0"/>
-                            </p:stCondLst>
-                            <p:childTnLst>
-                              <p:par>
-                                <p:cTn id="57" presetID="2" presetClass="entr" presetSubtype="2" fill="hold" nodeType="clickEffect">
-                                  <p:stCondLst>
-                                    <p:cond delay="0"/>
-                                  </p:stCondLst>
-                                  <p:childTnLst>
-                                    <p:set>
-                                      <p:cBhvr>
-                                        <p:cTn id="58" dur="1" fill="hold">
-                                          <p:stCondLst>
-                                            <p:cond delay="0"/>
-                                          </p:stCondLst>
-                                        </p:cTn>
-                                        <p:tgtEl>
                                           <p:spTgt spid="18"/>
                                         </p:tgtEl>
                                         <p:attrNameLst>
@@ -13512,7 +13415,7 @@
                                     </p:set>
                                     <p:anim calcmode="lin" valueType="num">
                                       <p:cBhvr additive="base">
-                                        <p:cTn id="59" dur="500" fill="hold"/>
+                                        <p:cTn id="54" dur="500" fill="hold"/>
                                         <p:tgtEl>
                                           <p:spTgt spid="18"/>
                                         </p:tgtEl>
@@ -13535,7 +13438,7 @@
                                     </p:anim>
                                     <p:anim calcmode="lin" valueType="num">
                                       <p:cBhvr additive="base">
-                                        <p:cTn id="60" dur="500" fill="hold"/>
+                                        <p:cTn id="55" dur="500" fill="hold"/>
                                         <p:tgtEl>
                                           <p:spTgt spid="18"/>
                                         </p:tgtEl>
@@ -13566,26 +13469,26 @@
                     </p:cTn>
                   </p:par>
                   <p:par>
-                    <p:cTn id="61" fill="hold">
+                    <p:cTn id="56" fill="hold">
                       <p:stCondLst>
                         <p:cond delay="indefinite"/>
                       </p:stCondLst>
                       <p:childTnLst>
                         <p:par>
-                          <p:cTn id="62" fill="hold">
+                          <p:cTn id="57" fill="hold">
                             <p:stCondLst>
                               <p:cond delay="0"/>
                             </p:stCondLst>
                             <p:childTnLst>
                               <p:par>
-                                <p:cTn id="63" presetID="2" presetClass="exit" presetSubtype="8" fill="hold" nodeType="clickEffect">
+                                <p:cTn id="58" presetID="2" presetClass="exit" presetSubtype="8" fill="hold" nodeType="clickEffect">
                                   <p:stCondLst>
                                     <p:cond delay="0"/>
                                   </p:stCondLst>
                                   <p:childTnLst>
                                     <p:anim calcmode="lin" valueType="num">
                                       <p:cBhvr additive="base">
-                                        <p:cTn id="64" dur="500"/>
+                                        <p:cTn id="59" dur="500"/>
                                         <p:tgtEl>
                                           <p:spTgt spid="18"/>
                                         </p:tgtEl>
@@ -13608,7 +13511,7 @@
                                     </p:anim>
                                     <p:anim calcmode="lin" valueType="num">
                                       <p:cBhvr additive="base">
-                                        <p:cTn id="65" dur="500"/>
+                                        <p:cTn id="60" dur="500"/>
                                         <p:tgtEl>
                                           <p:spTgt spid="18"/>
                                         </p:tgtEl>
@@ -13631,7 +13534,7 @@
                                     </p:anim>
                                     <p:set>
                                       <p:cBhvr>
-                                        <p:cTn id="66" dur="1" fill="hold">
+                                        <p:cTn id="61" dur="1" fill="hold">
                                           <p:stCondLst>
                                             <p:cond delay="499"/>
                                           </p:stCondLst>
@@ -13657,26 +13560,26 @@
                     </p:cTn>
                   </p:par>
                   <p:par>
-                    <p:cTn id="67" fill="hold">
+                    <p:cTn id="62" fill="hold">
                       <p:stCondLst>
                         <p:cond delay="indefinite"/>
                       </p:stCondLst>
                       <p:childTnLst>
                         <p:par>
-                          <p:cTn id="68" fill="hold">
+                          <p:cTn id="63" fill="hold">
                             <p:stCondLst>
                               <p:cond delay="0"/>
                             </p:stCondLst>
                             <p:childTnLst>
                               <p:par>
-                                <p:cTn id="69" presetID="22" presetClass="entr" presetSubtype="8" fill="hold" grpId="0" nodeType="clickEffect">
+                                <p:cTn id="64" presetID="22" presetClass="entr" presetSubtype="8" fill="hold" grpId="0" nodeType="clickEffect">
                                   <p:stCondLst>
                                     <p:cond delay="0"/>
                                   </p:stCondLst>
                                   <p:childTnLst>
                                     <p:set>
                                       <p:cBhvr>
-                                        <p:cTn id="70" dur="1" fill="hold">
+                                        <p:cTn id="65" dur="1" fill="hold">
                                           <p:stCondLst>
                                             <p:cond delay="0"/>
                                           </p:stCondLst>
@@ -13694,7 +13597,7 @@
                                     </p:set>
                                     <p:animEffect transition="in" filter="wipe(left)">
                                       <p:cBhvr>
-                                        <p:cTn id="71" dur="500"/>
+                                        <p:cTn id="66" dur="500"/>
                                         <p:tgtEl>
                                           <p:spTgt spid="15"/>
                                         </p:tgtEl>
@@ -13707,20 +13610,20 @@
                           </p:cTn>
                         </p:par>
                         <p:par>
-                          <p:cTn id="72" fill="hold">
+                          <p:cTn id="67" fill="hold">
                             <p:stCondLst>
                               <p:cond delay="500"/>
                             </p:stCondLst>
                             <p:childTnLst>
                               <p:par>
-                                <p:cTn id="73" presetID="1" presetClass="exit" presetSubtype="0" fill="hold" grpId="1" nodeType="afterEffect">
+                                <p:cTn id="68" presetID="1" presetClass="exit" presetSubtype="0" fill="hold" grpId="1" nodeType="afterEffect">
                                   <p:stCondLst>
                                     <p:cond delay="0"/>
                                   </p:stCondLst>
                                   <p:childTnLst>
                                     <p:set>
                                       <p:cBhvr>
-                                        <p:cTn id="74" dur="1" fill="hold">
+                                        <p:cTn id="69" dur="1" fill="hold">
                                           <p:stCondLst>
                                             <p:cond delay="0"/>
                                           </p:stCondLst>
@@ -13746,26 +13649,26 @@
                     </p:cTn>
                   </p:par>
                   <p:par>
-                    <p:cTn id="75" fill="hold">
+                    <p:cTn id="70" fill="hold">
                       <p:stCondLst>
                         <p:cond delay="indefinite"/>
                       </p:stCondLst>
                       <p:childTnLst>
                         <p:par>
-                          <p:cTn id="76" fill="hold">
+                          <p:cTn id="71" fill="hold">
                             <p:stCondLst>
                               <p:cond delay="0"/>
                             </p:stCondLst>
                             <p:childTnLst>
                               <p:par>
-                                <p:cTn id="77" presetID="2" presetClass="entr" presetSubtype="2" fill="hold" nodeType="clickEffect">
+                                <p:cTn id="72" presetID="2" presetClass="entr" presetSubtype="2" fill="hold" nodeType="clickEffect">
                                   <p:stCondLst>
                                     <p:cond delay="0"/>
                                   </p:stCondLst>
                                   <p:childTnLst>
                                     <p:set>
                                       <p:cBhvr>
-                                        <p:cTn id="78" dur="1" fill="hold">
+                                        <p:cTn id="73" dur="1" fill="hold">
                                           <p:stCondLst>
                                             <p:cond delay="0"/>
                                           </p:stCondLst>
@@ -13783,7 +13686,7 @@
                                     </p:set>
                                     <p:anim calcmode="lin" valueType="num">
                                       <p:cBhvr additive="base">
-                                        <p:cTn id="79" dur="500" fill="hold"/>
+                                        <p:cTn id="74" dur="500" fill="hold"/>
                                         <p:tgtEl>
                                           <p:spTgt spid="19"/>
                                         </p:tgtEl>
@@ -13806,7 +13709,7 @@
                                     </p:anim>
                                     <p:anim calcmode="lin" valueType="num">
                                       <p:cBhvr additive="base">
-                                        <p:cTn id="80" dur="500" fill="hold"/>
+                                        <p:cTn id="75" dur="500" fill="hold"/>
                                         <p:tgtEl>
                                           <p:spTgt spid="19"/>
                                         </p:tgtEl>
@@ -13837,26 +13740,26 @@
                     </p:cTn>
                   </p:par>
                   <p:par>
-                    <p:cTn id="81" fill="hold">
+                    <p:cTn id="76" fill="hold">
                       <p:stCondLst>
                         <p:cond delay="indefinite"/>
                       </p:stCondLst>
                       <p:childTnLst>
                         <p:par>
-                          <p:cTn id="82" fill="hold">
+                          <p:cTn id="77" fill="hold">
                             <p:stCondLst>
                               <p:cond delay="0"/>
                             </p:stCondLst>
                             <p:childTnLst>
                               <p:par>
-                                <p:cTn id="83" presetID="2" presetClass="exit" presetSubtype="8" fill="hold" nodeType="clickEffect">
+                                <p:cTn id="78" presetID="2" presetClass="exit" presetSubtype="8" fill="hold" nodeType="clickEffect">
                                   <p:stCondLst>
                                     <p:cond delay="0"/>
                                   </p:stCondLst>
                                   <p:childTnLst>
                                     <p:anim calcmode="lin" valueType="num">
                                       <p:cBhvr additive="base">
-                                        <p:cTn id="84" dur="500"/>
+                                        <p:cTn id="79" dur="500"/>
                                         <p:tgtEl>
                                           <p:spTgt spid="19"/>
                                         </p:tgtEl>
@@ -13879,7 +13782,7 @@
                                     </p:anim>
                                     <p:anim calcmode="lin" valueType="num">
                                       <p:cBhvr additive="base">
-                                        <p:cTn id="85" dur="500"/>
+                                        <p:cTn id="80" dur="500"/>
                                         <p:tgtEl>
                                           <p:spTgt spid="19"/>
                                         </p:tgtEl>
@@ -13902,7 +13805,7 @@
                                     </p:anim>
                                     <p:set>
                                       <p:cBhvr>
-                                        <p:cTn id="86" dur="1" fill="hold">
+                                        <p:cTn id="81" dur="1" fill="hold">
                                           <p:stCondLst>
                                             <p:cond delay="499"/>
                                           </p:stCondLst>
@@ -13950,7 +13853,6 @@
     </p:tnLst>
     <p:bldLst>
       <p:bldP spid="16" grpId="0" animBg="1"/>
-      <p:bldP spid="6" grpId="0"/>
       <p:bldP spid="8" grpId="0"/>
       <p:bldP spid="9" grpId="0"/>
       <p:bldP spid="10" grpId="0"/>
